--- a/presentazioneIS.pptx
+++ b/presentazioneIS.pptx
@@ -29,6 +29,10 @@
     <p:sldId id="278" r:id="rId23"/>
     <p:sldId id="280" r:id="rId24"/>
     <p:sldId id="281" r:id="rId25"/>
+    <p:sldId id="282" r:id="rId26"/>
+    <p:sldId id="283" r:id="rId27"/>
+    <p:sldId id="284" r:id="rId28"/>
+    <p:sldId id="285" r:id="rId29"/>
   </p:sldIdLst>
   <p:sldSz cx="12192000" cy="6858000"/>
   <p:notesSz cx="6858000" cy="9144000"/>
@@ -266,7 +270,7 @@
           <a:p>
             <a:fld id="{8E92F9B4-22CE-4DC7-877B-A912CB85DED6}" type="datetimeFigureOut">
               <a:rPr lang="it-IT" smtClean="0"/>
-              <a:t>18/02/2019</a:t>
+              <a:t>19/02/2019</a:t>
             </a:fld>
             <a:endParaRPr lang="it-IT"/>
           </a:p>
@@ -436,7 +440,7 @@
           <a:p>
             <a:fld id="{8E92F9B4-22CE-4DC7-877B-A912CB85DED6}" type="datetimeFigureOut">
               <a:rPr lang="it-IT" smtClean="0"/>
-              <a:t>18/02/2019</a:t>
+              <a:t>19/02/2019</a:t>
             </a:fld>
             <a:endParaRPr lang="it-IT"/>
           </a:p>
@@ -616,7 +620,7 @@
           <a:p>
             <a:fld id="{8E92F9B4-22CE-4DC7-877B-A912CB85DED6}" type="datetimeFigureOut">
               <a:rPr lang="it-IT" smtClean="0"/>
-              <a:t>18/02/2019</a:t>
+              <a:t>19/02/2019</a:t>
             </a:fld>
             <a:endParaRPr lang="it-IT"/>
           </a:p>
@@ -786,7 +790,7 @@
           <a:p>
             <a:fld id="{8E92F9B4-22CE-4DC7-877B-A912CB85DED6}" type="datetimeFigureOut">
               <a:rPr lang="it-IT" smtClean="0"/>
-              <a:t>18/02/2019</a:t>
+              <a:t>19/02/2019</a:t>
             </a:fld>
             <a:endParaRPr lang="it-IT"/>
           </a:p>
@@ -1032,7 +1036,7 @@
           <a:p>
             <a:fld id="{8E92F9B4-22CE-4DC7-877B-A912CB85DED6}" type="datetimeFigureOut">
               <a:rPr lang="it-IT" smtClean="0"/>
-              <a:t>18/02/2019</a:t>
+              <a:t>19/02/2019</a:t>
             </a:fld>
             <a:endParaRPr lang="it-IT"/>
           </a:p>
@@ -1264,7 +1268,7 @@
           <a:p>
             <a:fld id="{8E92F9B4-22CE-4DC7-877B-A912CB85DED6}" type="datetimeFigureOut">
               <a:rPr lang="it-IT" smtClean="0"/>
-              <a:t>18/02/2019</a:t>
+              <a:t>19/02/2019</a:t>
             </a:fld>
             <a:endParaRPr lang="it-IT"/>
           </a:p>
@@ -1631,7 +1635,7 @@
           <a:p>
             <a:fld id="{8E92F9B4-22CE-4DC7-877B-A912CB85DED6}" type="datetimeFigureOut">
               <a:rPr lang="it-IT" smtClean="0"/>
-              <a:t>18/02/2019</a:t>
+              <a:t>19/02/2019</a:t>
             </a:fld>
             <a:endParaRPr lang="it-IT"/>
           </a:p>
@@ -1749,7 +1753,7 @@
           <a:p>
             <a:fld id="{8E92F9B4-22CE-4DC7-877B-A912CB85DED6}" type="datetimeFigureOut">
               <a:rPr lang="it-IT" smtClean="0"/>
-              <a:t>18/02/2019</a:t>
+              <a:t>19/02/2019</a:t>
             </a:fld>
             <a:endParaRPr lang="it-IT"/>
           </a:p>
@@ -1844,7 +1848,7 @@
           <a:p>
             <a:fld id="{8E92F9B4-22CE-4DC7-877B-A912CB85DED6}" type="datetimeFigureOut">
               <a:rPr lang="it-IT" smtClean="0"/>
-              <a:t>18/02/2019</a:t>
+              <a:t>19/02/2019</a:t>
             </a:fld>
             <a:endParaRPr lang="it-IT"/>
           </a:p>
@@ -2121,7 +2125,7 @@
           <a:p>
             <a:fld id="{8E92F9B4-22CE-4DC7-877B-A912CB85DED6}" type="datetimeFigureOut">
               <a:rPr lang="it-IT" smtClean="0"/>
-              <a:t>18/02/2019</a:t>
+              <a:t>19/02/2019</a:t>
             </a:fld>
             <a:endParaRPr lang="it-IT"/>
           </a:p>
@@ -2374,7 +2378,7 @@
           <a:p>
             <a:fld id="{8E92F9B4-22CE-4DC7-877B-A912CB85DED6}" type="datetimeFigureOut">
               <a:rPr lang="it-IT" smtClean="0"/>
-              <a:t>18/02/2019</a:t>
+              <a:t>19/02/2019</a:t>
             </a:fld>
             <a:endParaRPr lang="it-IT"/>
           </a:p>
@@ -2587,7 +2591,7 @@
           <a:p>
             <a:fld id="{8E92F9B4-22CE-4DC7-877B-A912CB85DED6}" type="datetimeFigureOut">
               <a:rPr lang="it-IT" smtClean="0"/>
-              <a:t>18/02/2019</a:t>
+              <a:t>19/02/2019</a:t>
             </a:fld>
             <a:endParaRPr lang="it-IT"/>
           </a:p>
@@ -3572,13 +3576,13 @@
   <p:clrMapOvr>
     <a:masterClrMapping/>
   </p:clrMapOvr>
-  <mc:AlternateContent xmlns:mc="http://schemas.openxmlformats.org/markup-compatibility/2006">
-    <mc:Choice xmlns:p14="http://schemas.microsoft.com/office/powerpoint/2010/main" Requires="p14">
+  <mc:AlternateContent xmlns:mc="http://schemas.openxmlformats.org/markup-compatibility/2006" xmlns:p14="http://schemas.microsoft.com/office/powerpoint/2010/main">
+    <mc:Choice Requires="p14">
       <p:transition spd="med" p14:dur="700">
         <p:fade/>
       </p:transition>
     </mc:Choice>
-    <mc:Fallback>
+    <mc:Fallback xmlns="">
       <p:transition spd="med">
         <p:fade/>
       </p:transition>
@@ -3745,13 +3749,13 @@
   <p:clrMapOvr>
     <a:masterClrMapping/>
   </p:clrMapOvr>
-  <mc:AlternateContent xmlns:mc="http://schemas.openxmlformats.org/markup-compatibility/2006">
-    <mc:Choice xmlns:p14="http://schemas.microsoft.com/office/powerpoint/2010/main" Requires="p14">
+  <mc:AlternateContent xmlns:mc="http://schemas.openxmlformats.org/markup-compatibility/2006" xmlns:p14="http://schemas.microsoft.com/office/powerpoint/2010/main">
+    <mc:Choice Requires="p14">
       <p:transition spd="med" p14:dur="700">
         <p:fade/>
       </p:transition>
     </mc:Choice>
-    <mc:Fallback>
+    <mc:Fallback xmlns="">
       <p:transition spd="med">
         <p:fade/>
       </p:transition>
@@ -3919,13 +3923,13 @@
   <p:clrMapOvr>
     <a:masterClrMapping/>
   </p:clrMapOvr>
-  <mc:AlternateContent xmlns:mc="http://schemas.openxmlformats.org/markup-compatibility/2006">
-    <mc:Choice xmlns:p14="http://schemas.microsoft.com/office/powerpoint/2010/main" Requires="p14">
+  <mc:AlternateContent xmlns:mc="http://schemas.openxmlformats.org/markup-compatibility/2006" xmlns:p14="http://schemas.microsoft.com/office/powerpoint/2010/main">
+    <mc:Choice Requires="p14">
       <p:transition spd="med" p14:dur="700">
         <p:fade/>
       </p:transition>
     </mc:Choice>
-    <mc:Fallback>
+    <mc:Fallback xmlns="">
       <p:transition spd="med">
         <p:fade/>
       </p:transition>
@@ -4216,13 +4220,13 @@
   <p:clrMapOvr>
     <a:masterClrMapping/>
   </p:clrMapOvr>
-  <mc:AlternateContent xmlns:mc="http://schemas.openxmlformats.org/markup-compatibility/2006">
-    <mc:Choice xmlns:p14="http://schemas.microsoft.com/office/powerpoint/2010/main" Requires="p14">
+  <mc:AlternateContent xmlns:mc="http://schemas.openxmlformats.org/markup-compatibility/2006" xmlns:p14="http://schemas.microsoft.com/office/powerpoint/2010/main">
+    <mc:Choice Requires="p14">
       <p:transition spd="med" p14:dur="700">
         <p:fade/>
       </p:transition>
     </mc:Choice>
-    <mc:Fallback>
+    <mc:Fallback xmlns="">
       <p:transition spd="med">
         <p:fade/>
       </p:transition>
@@ -4506,13 +4510,13 @@
   <p:clrMapOvr>
     <a:masterClrMapping/>
   </p:clrMapOvr>
-  <mc:AlternateContent xmlns:mc="http://schemas.openxmlformats.org/markup-compatibility/2006">
-    <mc:Choice xmlns:p14="http://schemas.microsoft.com/office/powerpoint/2010/main" Requires="p14">
+  <mc:AlternateContent xmlns:mc="http://schemas.openxmlformats.org/markup-compatibility/2006" xmlns:p14="http://schemas.microsoft.com/office/powerpoint/2010/main">
+    <mc:Choice Requires="p14">
       <p:transition spd="med" p14:dur="700">
         <p:fade/>
       </p:transition>
     </mc:Choice>
-    <mc:Fallback>
+    <mc:Fallback xmlns="">
       <p:transition spd="med">
         <p:fade/>
       </p:transition>
@@ -4703,7 +4707,7 @@
           <a:graphicData uri="http://schemas.openxmlformats.org/presentationml/2006/ole">
             <mc:AlternateContent xmlns:mc="http://schemas.openxmlformats.org/markup-compatibility/2006">
               <mc:Choice xmlns:v="urn:schemas-microsoft-com:vml" Requires="v">
-                <p:oleObj spid="_x0000_s4102" name="Immagine" r:id="rId4" imgW="0" imgH="0" progId="StaticMetafile">
+                <p:oleObj spid="_x0000_s4108" name="Immagine" r:id="rId4" imgW="0" imgH="0" progId="StaticMetafile">
                   <p:embed/>
                 </p:oleObj>
               </mc:Choice>
@@ -4775,13 +4779,13 @@
   <p:clrMapOvr>
     <a:masterClrMapping/>
   </p:clrMapOvr>
-  <mc:AlternateContent xmlns:mc="http://schemas.openxmlformats.org/markup-compatibility/2006">
-    <mc:Choice xmlns:p14="http://schemas.microsoft.com/office/powerpoint/2010/main" Requires="p14">
+  <mc:AlternateContent xmlns:mc="http://schemas.openxmlformats.org/markup-compatibility/2006" xmlns:p14="http://schemas.microsoft.com/office/powerpoint/2010/main">
+    <mc:Choice Requires="p14">
       <p:transition spd="med" p14:dur="700">
         <p:fade/>
       </p:transition>
     </mc:Choice>
-    <mc:Fallback>
+    <mc:Fallback xmlns="">
       <p:transition spd="med">
         <p:fade/>
       </p:transition>
@@ -4943,13 +4947,13 @@
   <p:clrMapOvr>
     <a:masterClrMapping/>
   </p:clrMapOvr>
-  <mc:AlternateContent xmlns:mc="http://schemas.openxmlformats.org/markup-compatibility/2006">
-    <mc:Choice xmlns:p14="http://schemas.microsoft.com/office/powerpoint/2010/main" Requires="p14">
+  <mc:AlternateContent xmlns:mc="http://schemas.openxmlformats.org/markup-compatibility/2006" xmlns:p14="http://schemas.microsoft.com/office/powerpoint/2010/main">
+    <mc:Choice Requires="p14">
       <p:transition spd="med" p14:dur="700">
         <p:fade/>
       </p:transition>
     </mc:Choice>
-    <mc:Fallback>
+    <mc:Fallback xmlns="">
       <p:transition spd="med">
         <p:fade/>
       </p:transition>
@@ -5196,7 +5200,6 @@
               <a:rPr lang="it-IT" sz="1600" dirty="0"/>
               <a:t>.</a:t>
             </a:r>
-            <a:endParaRPr lang="it-IT" sz="1600" dirty="0"/>
           </a:p>
           <a:p>
             <a:r>
@@ -5240,13 +5243,13 @@
   <p:clrMapOvr>
     <a:masterClrMapping/>
   </p:clrMapOvr>
-  <mc:AlternateContent xmlns:mc="http://schemas.openxmlformats.org/markup-compatibility/2006">
-    <mc:Choice xmlns:p14="http://schemas.microsoft.com/office/powerpoint/2010/main" Requires="p14">
+  <mc:AlternateContent xmlns:mc="http://schemas.openxmlformats.org/markup-compatibility/2006" xmlns:p14="http://schemas.microsoft.com/office/powerpoint/2010/main">
+    <mc:Choice Requires="p14">
       <p:transition spd="med" p14:dur="700">
         <p:fade/>
       </p:transition>
     </mc:Choice>
-    <mc:Fallback>
+    <mc:Fallback xmlns="">
       <p:transition spd="med">
         <p:fade/>
       </p:transition>
@@ -5543,13 +5546,13 @@
   <p:clrMapOvr>
     <a:masterClrMapping/>
   </p:clrMapOvr>
-  <mc:AlternateContent xmlns:mc="http://schemas.openxmlformats.org/markup-compatibility/2006">
-    <mc:Choice xmlns:p14="http://schemas.microsoft.com/office/powerpoint/2010/main" Requires="p14">
+  <mc:AlternateContent xmlns:mc="http://schemas.openxmlformats.org/markup-compatibility/2006" xmlns:p14="http://schemas.microsoft.com/office/powerpoint/2010/main">
+    <mc:Choice Requires="p14">
       <p:transition spd="med" p14:dur="700">
         <p:fade/>
       </p:transition>
     </mc:Choice>
-    <mc:Fallback>
+    <mc:Fallback xmlns="">
       <p:transition spd="med">
         <p:fade/>
       </p:transition>
@@ -5720,13 +5723,13 @@
   <p:clrMapOvr>
     <a:masterClrMapping/>
   </p:clrMapOvr>
-  <mc:AlternateContent xmlns:mc="http://schemas.openxmlformats.org/markup-compatibility/2006">
-    <mc:Choice xmlns:p14="http://schemas.microsoft.com/office/powerpoint/2010/main" Requires="p14">
+  <mc:AlternateContent xmlns:mc="http://schemas.openxmlformats.org/markup-compatibility/2006" xmlns:p14="http://schemas.microsoft.com/office/powerpoint/2010/main">
+    <mc:Choice Requires="p14">
       <p:transition spd="med" p14:dur="700">
         <p:fade/>
       </p:transition>
     </mc:Choice>
-    <mc:Fallback>
+    <mc:Fallback xmlns="">
       <p:transition spd="med">
         <p:fade/>
       </p:transition>
@@ -5831,24 +5834,25 @@
             </a:r>
           </a:p>
           <a:p>
+            <a:pPr lvl="1"/>
             <a:r>
               <a:rPr lang="it-IT" sz="1400" dirty="0" smtClean="0"/>
               <a:t>1.1Descrizione del problema</a:t>
             </a:r>
           </a:p>
           <a:p>
+            <a:pPr lvl="1"/>
             <a:r>
               <a:rPr lang="it-IT" sz="1400" dirty="0" smtClean="0"/>
               <a:t>1.2Scenari</a:t>
             </a:r>
-            <a:endParaRPr lang="it-IT" sz="1400" dirty="0" smtClean="0"/>
-          </a:p>
-          <a:p>
+          </a:p>
+          <a:p>
+            <a:pPr lvl="1"/>
             <a:r>
               <a:rPr lang="it-IT" sz="1400" dirty="0" smtClean="0"/>
               <a:t>1.3Requisiti</a:t>
             </a:r>
-            <a:endParaRPr lang="it-IT" sz="1400" dirty="0" smtClean="0"/>
           </a:p>
           <a:p>
             <a:r>
@@ -5857,24 +5861,28 @@
             </a:r>
           </a:p>
           <a:p>
+            <a:pPr lvl="1"/>
             <a:r>
               <a:rPr lang="it-IT" sz="1400" dirty="0" smtClean="0"/>
               <a:t>2.1SystemModel</a:t>
             </a:r>
           </a:p>
           <a:p>
+            <a:pPr lvl="1"/>
             <a:r>
               <a:rPr lang="it-IT" sz="1400" dirty="0" smtClean="0"/>
               <a:t>2.2ObjectModel</a:t>
             </a:r>
           </a:p>
           <a:p>
+            <a:pPr lvl="1"/>
             <a:r>
               <a:rPr lang="it-IT" sz="1400" dirty="0" smtClean="0"/>
               <a:t>2.3DynmicModel</a:t>
             </a:r>
           </a:p>
           <a:p>
+            <a:pPr lvl="1"/>
             <a:r>
               <a:rPr lang="it-IT" sz="1400" dirty="0" smtClean="0"/>
               <a:t>2.4MockUp</a:t>
@@ -5887,12 +5895,14 @@
             </a:r>
           </a:p>
           <a:p>
+            <a:pPr lvl="1"/>
             <a:r>
               <a:rPr lang="it-IT" sz="1400" dirty="0" smtClean="0"/>
               <a:t>3.1SubsystemDecomposition</a:t>
             </a:r>
           </a:p>
           <a:p>
+            <a:pPr lvl="1"/>
             <a:r>
               <a:rPr lang="it-IT" sz="1400" dirty="0" smtClean="0"/>
               <a:t>3.2Hardware/Software </a:t>
@@ -5904,24 +5914,28 @@
             <a:endParaRPr lang="it-IT" sz="1400" dirty="0" smtClean="0"/>
           </a:p>
           <a:p>
+            <a:pPr lvl="1"/>
             <a:r>
               <a:rPr lang="it-IT" sz="1400" dirty="0" smtClean="0"/>
               <a:t>3.3PersistentDataManagment</a:t>
             </a:r>
           </a:p>
           <a:p>
+            <a:pPr lvl="1"/>
             <a:r>
               <a:rPr lang="it-IT" sz="1400" dirty="0" smtClean="0"/>
               <a:t>3.4AccessControlAndSecurity</a:t>
             </a:r>
           </a:p>
           <a:p>
+            <a:pPr lvl="1"/>
             <a:r>
               <a:rPr lang="it-IT" sz="1400" dirty="0" smtClean="0"/>
               <a:t>3.5GlobalSoftwareControl</a:t>
             </a:r>
           </a:p>
           <a:p>
+            <a:pPr lvl="1"/>
             <a:r>
               <a:rPr lang="it-IT" sz="1400" dirty="0" smtClean="0"/>
               <a:t>3.6BoundaryCondition</a:t>
@@ -5934,25 +5948,25 @@
             </a:r>
           </a:p>
           <a:p>
+            <a:pPr lvl="1"/>
             <a:r>
               <a:rPr lang="it-IT" sz="1400" dirty="0" smtClean="0"/>
               <a:t>4.1Pattern</a:t>
             </a:r>
-            <a:endParaRPr lang="it-IT" sz="1400" dirty="0" smtClean="0"/>
-          </a:p>
-          <a:p>
+          </a:p>
+          <a:p>
+            <a:pPr lvl="1"/>
             <a:r>
               <a:rPr lang="it-IT" sz="1400" dirty="0" smtClean="0"/>
               <a:t>4.2Packages</a:t>
             </a:r>
-            <a:endParaRPr lang="it-IT" sz="1400" dirty="0" smtClean="0"/>
-          </a:p>
-          <a:p>
+          </a:p>
+          <a:p>
+            <a:pPr lvl="1"/>
             <a:r>
               <a:rPr lang="it-IT" sz="1400" dirty="0" smtClean="0"/>
               <a:t>4.3ClassInterfaces</a:t>
             </a:r>
-            <a:endParaRPr lang="it-IT" sz="1400" dirty="0" smtClean="0"/>
           </a:p>
           <a:p>
             <a:r>
@@ -5961,12 +5975,14 @@
             </a:r>
           </a:p>
           <a:p>
+            <a:pPr lvl="1"/>
             <a:r>
               <a:rPr lang="it-IT" sz="1400" dirty="0" smtClean="0"/>
               <a:t>5.1TestPlan</a:t>
             </a:r>
           </a:p>
           <a:p>
+            <a:pPr lvl="1"/>
             <a:r>
               <a:rPr lang="it-IT" sz="1400" dirty="0" smtClean="0"/>
               <a:t>5.2TestDiUnità</a:t>
@@ -5974,6 +5990,7 @@
             <a:endParaRPr lang="it-IT" sz="1400" dirty="0"/>
           </a:p>
           <a:p>
+            <a:pPr lvl="1"/>
             <a:r>
               <a:rPr lang="it-IT" sz="1400" dirty="0" smtClean="0"/>
               <a:t>5.3TestCaseSpecification</a:t>
@@ -5981,6 +5998,7 @@
             <a:endParaRPr lang="it-IT" sz="1400" dirty="0"/>
           </a:p>
           <a:p>
+            <a:pPr lvl="1"/>
             <a:r>
               <a:rPr lang="it-IT" sz="1400" dirty="0" smtClean="0"/>
               <a:t>5.4TestSummaryReport</a:t>
@@ -6181,13 +6199,13 @@
   <p:clrMapOvr>
     <a:masterClrMapping/>
   </p:clrMapOvr>
-  <mc:AlternateContent xmlns:mc="http://schemas.openxmlformats.org/markup-compatibility/2006">
-    <mc:Choice xmlns:p14="http://schemas.microsoft.com/office/powerpoint/2010/main" Requires="p14">
+  <mc:AlternateContent xmlns:mc="http://schemas.openxmlformats.org/markup-compatibility/2006" xmlns:p14="http://schemas.microsoft.com/office/powerpoint/2010/main">
+    <mc:Choice Requires="p14">
       <p:transition spd="med" p14:dur="700">
         <p:fade/>
       </p:transition>
     </mc:Choice>
-    <mc:Fallback>
+    <mc:Fallback xmlns="">
       <p:transition spd="med">
         <p:fade/>
       </p:transition>
@@ -6364,13 +6382,13 @@
   <p:clrMapOvr>
     <a:masterClrMapping/>
   </p:clrMapOvr>
-  <mc:AlternateContent xmlns:mc="http://schemas.openxmlformats.org/markup-compatibility/2006">
-    <mc:Choice xmlns:p14="http://schemas.microsoft.com/office/powerpoint/2010/main" Requires="p14">
+  <mc:AlternateContent xmlns:mc="http://schemas.openxmlformats.org/markup-compatibility/2006" xmlns:p14="http://schemas.microsoft.com/office/powerpoint/2010/main">
+    <mc:Choice Requires="p14">
       <p:transition spd="med" p14:dur="700">
         <p:fade/>
       </p:transition>
     </mc:Choice>
-    <mc:Fallback>
+    <mc:Fallback xmlns="">
       <p:transition spd="med">
         <p:fade/>
       </p:transition>
@@ -6547,13 +6565,13 @@
   <p:clrMapOvr>
     <a:masterClrMapping/>
   </p:clrMapOvr>
-  <mc:AlternateContent xmlns:mc="http://schemas.openxmlformats.org/markup-compatibility/2006">
-    <mc:Choice xmlns:p14="http://schemas.microsoft.com/office/powerpoint/2010/main" Requires="p14">
+  <mc:AlternateContent xmlns:mc="http://schemas.openxmlformats.org/markup-compatibility/2006" xmlns:p14="http://schemas.microsoft.com/office/powerpoint/2010/main">
+    <mc:Choice Requires="p14">
       <p:transition spd="med" p14:dur="700">
         <p:fade/>
       </p:transition>
     </mc:Choice>
-    <mc:Fallback>
+    <mc:Fallback xmlns="">
       <p:transition spd="med">
         <p:fade/>
       </p:transition>
@@ -6671,7 +6689,7 @@
         </p:nvGraphicFramePr>
         <p:xfrm>
           <a:off x="3867656" y="755334"/>
-          <a:ext cx="4275455" cy="1391793"/>
+          <a:ext cx="4275455" cy="1402080"/>
         </p:xfrm>
         <a:graphic>
           <a:graphicData uri="http://schemas.openxmlformats.org/drawingml/2006/table">
@@ -7335,7 +7353,7 @@
         </p:nvGraphicFramePr>
         <p:xfrm>
           <a:off x="3851180" y="4198178"/>
-          <a:ext cx="4275455" cy="1216533"/>
+          <a:ext cx="4275455" cy="1226820"/>
         </p:xfrm>
         <a:graphic>
           <a:graphicData uri="http://schemas.openxmlformats.org/drawingml/2006/table">
@@ -7661,13 +7679,13 @@
   <p:clrMapOvr>
     <a:masterClrMapping/>
   </p:clrMapOvr>
-  <mc:AlternateContent xmlns:mc="http://schemas.openxmlformats.org/markup-compatibility/2006">
-    <mc:Choice xmlns:p14="http://schemas.microsoft.com/office/powerpoint/2010/main" Requires="p14">
+  <mc:AlternateContent xmlns:mc="http://schemas.openxmlformats.org/markup-compatibility/2006" xmlns:p14="http://schemas.microsoft.com/office/powerpoint/2010/main">
+    <mc:Choice Requires="p14">
       <p:transition spd="med" p14:dur="700">
         <p:fade/>
       </p:transition>
     </mc:Choice>
-    <mc:Fallback>
+    <mc:Fallback xmlns="">
       <p:transition spd="med">
         <p:fade/>
       </p:transition>
@@ -7739,7 +7757,7 @@
         <p:spPr>
           <a:xfrm>
             <a:off x="1889734" y="109003"/>
-            <a:ext cx="8015416" cy="1477328"/>
+            <a:ext cx="8015416" cy="6740307"/>
           </a:xfrm>
           <a:prstGeom prst="rect">
             <a:avLst/>
@@ -7764,11 +7782,111 @@
           </a:p>
           <a:p>
             <a:pPr algn="ctr"/>
+            <a:r>
+              <a:rPr lang="it-IT" b="1" dirty="0" err="1" smtClean="0"/>
+              <a:t>TestPlan</a:t>
+            </a:r>
+            <a:endParaRPr lang="it-IT" b="1" dirty="0" smtClean="0"/>
+          </a:p>
+          <a:p>
+            <a:r>
+              <a:rPr lang="it-IT" b="1" dirty="0"/>
+              <a:t>Panoramica del sistema </a:t>
+            </a:r>
+            <a:endParaRPr lang="it-IT" dirty="0"/>
+          </a:p>
+          <a:p>
+            <a:r>
+              <a:rPr lang="it-IT" dirty="0"/>
+              <a:t>Il sistema </a:t>
+            </a:r>
+            <a:r>
+              <a:rPr lang="it-IT" dirty="0" err="1"/>
+              <a:t>UniAirlines</a:t>
+            </a:r>
+            <a:r>
+              <a:rPr lang="it-IT" dirty="0"/>
+              <a:t> fornisce tutte le sue funzionalità attraverso un sito web. Per assicurarsi che ciascuna funzione si comporti come previsto, bisogna quindi assicurarsi di testare ogni funzionalità offerta da ogni schermata che compone il sito. Queste possono essere riassunte nella gestione delle varie entità considerate, tra cui voli, aerei, utenti. </a:t>
+            </a:r>
             <a:endParaRPr lang="it-IT" b="1" dirty="0"/>
           </a:p>
           <a:p>
-            <a:pPr algn="ctr"/>
+            <a:r>
+              <a:rPr lang="it-IT" b="1" dirty="0"/>
+              <a:t>Funzionalità da testare </a:t>
+            </a:r>
             <a:endParaRPr lang="it-IT" dirty="0"/>
+          </a:p>
+          <a:p>
+            <a:r>
+              <a:rPr lang="it-IT" dirty="0"/>
+              <a:t>Le attività di </a:t>
+            </a:r>
+            <a:r>
+              <a:rPr lang="it-IT" dirty="0" err="1"/>
+              <a:t>testing</a:t>
+            </a:r>
+            <a:r>
+              <a:rPr lang="it-IT" dirty="0"/>
+              <a:t> previste per il sistema </a:t>
+            </a:r>
+            <a:r>
+              <a:rPr lang="it-IT" dirty="0" err="1"/>
+              <a:t>UniAirlines</a:t>
+            </a:r>
+            <a:r>
+              <a:rPr lang="it-IT" dirty="0"/>
+              <a:t> prevedono di testare il corretto funzionamento della maggior parte delle funzionalità del sistema. Queste sono: </a:t>
+            </a:r>
+          </a:p>
+          <a:p>
+            <a:r>
+              <a:rPr lang="it-IT" dirty="0"/>
+              <a:t>1. Prenotazione di un biglietto aereo. </a:t>
+            </a:r>
+          </a:p>
+          <a:p>
+            <a:r>
+              <a:rPr lang="it-IT" dirty="0"/>
+              <a:t>2. Ricerca di un volo.</a:t>
+            </a:r>
+          </a:p>
+          <a:p>
+            <a:r>
+              <a:rPr lang="it-IT" dirty="0"/>
+              <a:t>3. Aggiunta, eliminazione e modifica di un volo. </a:t>
+            </a:r>
+          </a:p>
+          <a:p>
+            <a:r>
+              <a:rPr lang="it-IT" dirty="0"/>
+              <a:t>4. Aggiunta di un aereo. </a:t>
+            </a:r>
+          </a:p>
+          <a:p>
+            <a:r>
+              <a:rPr lang="it-IT" dirty="0"/>
+              <a:t>5. Aggiunta di un aeroporto. </a:t>
+            </a:r>
+          </a:p>
+          <a:p>
+            <a:r>
+              <a:rPr lang="it-IT" dirty="0"/>
+              <a:t>6. Login al lato amministrativo del sistema. </a:t>
+            </a:r>
+          </a:p>
+          <a:p>
+            <a:r>
+              <a:rPr lang="it-IT" b="1" dirty="0"/>
+              <a:t>Criteri di successo </a:t>
+            </a:r>
+            <a:endParaRPr lang="it-IT" dirty="0"/>
+          </a:p>
+          <a:p>
+            <a:r>
+              <a:rPr lang="it-IT" dirty="0"/>
+              <a:t>Un caso di test ha esito positivo se l’output osservato è differente dal risultato previsto dall’oracolo; al contrario, un caso di test ha esito negativo se l’output osservato coincide con il risultato previsto dall’oracolo. </a:t>
+            </a:r>
           </a:p>
           <a:p>
             <a:pPr algn="ctr"/>
@@ -7786,13 +7904,3128 @@
   <p:clrMapOvr>
     <a:masterClrMapping/>
   </p:clrMapOvr>
-  <mc:AlternateContent xmlns:mc="http://schemas.openxmlformats.org/markup-compatibility/2006">
-    <mc:Choice xmlns:p14="http://schemas.microsoft.com/office/powerpoint/2010/main" Requires="p14">
+  <mc:AlternateContent xmlns:mc="http://schemas.openxmlformats.org/markup-compatibility/2006" xmlns:p14="http://schemas.microsoft.com/office/powerpoint/2010/main">
+    <mc:Choice Requires="p14">
       <p:transition spd="med" p14:dur="700">
         <p:fade/>
       </p:transition>
     </mc:Choice>
-    <mc:Fallback>
+    <mc:Fallback xmlns="">
+      <p:transition spd="med">
+        <p:fade/>
+      </p:transition>
+    </mc:Fallback>
+  </mc:AlternateContent>
+  <p:timing>
+    <p:tnLst>
+      <p:par>
+        <p:cTn id="1" dur="indefinite" restart="never" nodeType="tmRoot"/>
+      </p:par>
+    </p:tnLst>
+  </p:timing>
+</p:sld>
+</file>
+
+<file path=ppt/slides/slide25.xml><?xml version="1.0" encoding="utf-8"?>
+<p:sld xmlns:a="http://schemas.openxmlformats.org/drawingml/2006/main" xmlns:r="http://schemas.openxmlformats.org/officeDocument/2006/relationships" xmlns:p="http://schemas.openxmlformats.org/presentationml/2006/main">
+  <p:cSld>
+    <p:spTree>
+      <p:nvGrpSpPr>
+        <p:cNvPr id="1" name=""/>
+        <p:cNvGrpSpPr/>
+        <p:nvPr/>
+      </p:nvGrpSpPr>
+      <p:grpSpPr>
+        <a:xfrm>
+          <a:off x="0" y="0"/>
+          <a:ext cx="0" cy="0"/>
+          <a:chOff x="0" y="0"/>
+          <a:chExt cx="0" cy="0"/>
+        </a:xfrm>
+      </p:grpSpPr>
+      <p:pic>
+        <p:nvPicPr>
+          <p:cNvPr id="15" name="Immagine 14" descr="..\Stemma.jpg"/>
+          <p:cNvPicPr/>
+          <p:nvPr/>
+        </p:nvPicPr>
+        <p:blipFill>
+          <a:blip r:embed="rId2">
+            <a:lum bright="80000" contrast="-70000"/>
+          </a:blip>
+          <a:srcRect/>
+          <a:stretch>
+            <a:fillRect/>
+          </a:stretch>
+        </p:blipFill>
+        <p:spPr>
+          <a:xfrm>
+            <a:off x="2621700" y="109003"/>
+            <a:ext cx="7283450" cy="6562725"/>
+          </a:xfrm>
+          <a:prstGeom prst="rect">
+            <a:avLst/>
+          </a:prstGeom>
+          <a:noFill/>
+          <a:ln>
+            <a:noFill/>
+            <a:prstDash/>
+          </a:ln>
+        </p:spPr>
+      </p:pic>
+      <p:sp>
+        <p:nvSpPr>
+          <p:cNvPr id="3" name="CasellaDiTesto 2"/>
+          <p:cNvSpPr txBox="1"/>
+          <p:nvPr/>
+        </p:nvSpPr>
+        <p:spPr>
+          <a:xfrm>
+            <a:off x="1889734" y="109003"/>
+            <a:ext cx="8015416" cy="5078313"/>
+          </a:xfrm>
+          <a:prstGeom prst="rect">
+            <a:avLst/>
+          </a:prstGeom>
+          <a:noFill/>
+        </p:spPr>
+        <p:txBody>
+          <a:bodyPr wrap="square" rtlCol="0">
+            <a:spAutoFit/>
+          </a:bodyPr>
+          <a:lstStyle/>
+          <a:p>
+            <a:pPr algn="ctr"/>
+            <a:r>
+              <a:rPr lang="it-IT" b="1" dirty="0" err="1" smtClean="0"/>
+              <a:t>TestPlan</a:t>
+            </a:r>
+            <a:endParaRPr lang="it-IT" b="1" dirty="0" smtClean="0"/>
+          </a:p>
+          <a:p>
+            <a:pPr algn="ctr"/>
+            <a:endParaRPr lang="it-IT" b="1" dirty="0" smtClean="0"/>
+          </a:p>
+          <a:p>
+            <a:r>
+              <a:rPr lang="it-IT" b="1" dirty="0"/>
+              <a:t>Approccio </a:t>
+            </a:r>
+            <a:endParaRPr lang="it-IT" dirty="0"/>
+          </a:p>
+          <a:p>
+            <a:r>
+              <a:rPr lang="it-IT" dirty="0"/>
+              <a:t>Le attività di </a:t>
+            </a:r>
+            <a:r>
+              <a:rPr lang="it-IT" dirty="0" err="1"/>
+              <a:t>testing</a:t>
+            </a:r>
+            <a:r>
+              <a:rPr lang="it-IT" dirty="0"/>
+              <a:t> da effettuare sul sistema si dividono in tre tipologie: </a:t>
+            </a:r>
+          </a:p>
+          <a:p>
+            <a:r>
+              <a:rPr lang="it-IT" dirty="0"/>
+              <a:t>- </a:t>
+            </a:r>
+            <a:r>
+              <a:rPr lang="it-IT" dirty="0" err="1"/>
+              <a:t>Testing</a:t>
+            </a:r>
+            <a:r>
+              <a:rPr lang="it-IT" dirty="0"/>
+              <a:t> di sistema, che si occupa di testare la conformità delle funzionalità del sistema con i rispettivi requisiti funzionali e non funzionali specificati dal </a:t>
+            </a:r>
+            <a:r>
+              <a:rPr lang="it-IT" dirty="0" err="1"/>
+              <a:t>Requirement</a:t>
+            </a:r>
+            <a:r>
+              <a:rPr lang="it-IT" dirty="0"/>
+              <a:t> Analysis </a:t>
+            </a:r>
+            <a:r>
+              <a:rPr lang="it-IT" dirty="0" err="1"/>
+              <a:t>Document</a:t>
+            </a:r>
+            <a:r>
+              <a:rPr lang="it-IT" dirty="0"/>
+              <a:t>. </a:t>
+            </a:r>
+          </a:p>
+          <a:p>
+            <a:r>
+              <a:rPr lang="it-IT" dirty="0"/>
+              <a:t>- </a:t>
+            </a:r>
+            <a:r>
+              <a:rPr lang="it-IT" dirty="0" err="1"/>
+              <a:t>Testing</a:t>
+            </a:r>
+            <a:r>
+              <a:rPr lang="it-IT" dirty="0"/>
+              <a:t> di integrazione, che si occupa di testare l’interoperabilità dei diversi sottosistemi, assicurandosi che il loro comportamento sia conforme a quanto specificato nel System Design </a:t>
+            </a:r>
+            <a:r>
+              <a:rPr lang="it-IT" dirty="0" err="1"/>
+              <a:t>Document</a:t>
+            </a:r>
+            <a:r>
+              <a:rPr lang="it-IT" dirty="0"/>
+              <a:t>. </a:t>
+            </a:r>
+          </a:p>
+          <a:p>
+            <a:r>
+              <a:rPr lang="it-IT" dirty="0" smtClean="0"/>
+              <a:t>- </a:t>
+            </a:r>
+            <a:r>
+              <a:rPr lang="it-IT" dirty="0" err="1" smtClean="0"/>
+              <a:t>Testing</a:t>
+            </a:r>
+            <a:r>
+              <a:rPr lang="it-IT" dirty="0" smtClean="0"/>
+              <a:t> </a:t>
+            </a:r>
+            <a:r>
+              <a:rPr lang="it-IT" dirty="0"/>
+              <a:t>d’unità, che si occupa di testare il comportamento dei singoli componenti del sistema assicurandosi che questo sia conforme alle specifiche dell’Object Design </a:t>
+            </a:r>
+            <a:r>
+              <a:rPr lang="it-IT" dirty="0" err="1"/>
+              <a:t>Document</a:t>
+            </a:r>
+            <a:r>
+              <a:rPr lang="it-IT" dirty="0"/>
+              <a:t>. </a:t>
+            </a:r>
+            <a:endParaRPr lang="it-IT" dirty="0" smtClean="0"/>
+          </a:p>
+          <a:p>
+            <a:pPr marL="285750" indent="-285750">
+              <a:buFontTx/>
+              <a:buChar char="-"/>
+            </a:pPr>
+            <a:endParaRPr lang="it-IT" dirty="0"/>
+          </a:p>
+          <a:p>
+            <a:endParaRPr lang="it-IT" dirty="0"/>
+          </a:p>
+          <a:p>
+            <a:r>
+              <a:rPr lang="it-IT" b="1" dirty="0"/>
+              <a:t>Materiale di </a:t>
+            </a:r>
+            <a:r>
+              <a:rPr lang="it-IT" b="1" dirty="0" err="1"/>
+              <a:t>testing</a:t>
+            </a:r>
+            <a:r>
+              <a:rPr lang="it-IT" b="1" dirty="0"/>
+              <a:t> </a:t>
+            </a:r>
+            <a:endParaRPr lang="it-IT" dirty="0"/>
+          </a:p>
+          <a:p>
+            <a:r>
+              <a:rPr lang="it-IT" dirty="0" smtClean="0"/>
+              <a:t>Per </a:t>
+            </a:r>
+            <a:r>
+              <a:rPr lang="it-IT" dirty="0"/>
+              <a:t>l’esecuzione di queste attività, invece, vengono utilizzati gli strumenti </a:t>
+            </a:r>
+            <a:r>
+              <a:rPr lang="it-IT" dirty="0" err="1"/>
+              <a:t>Selenium</a:t>
+            </a:r>
+            <a:r>
+              <a:rPr lang="it-IT" dirty="0"/>
+              <a:t> e </a:t>
+            </a:r>
+            <a:r>
+              <a:rPr lang="it-IT" dirty="0" err="1"/>
+              <a:t>JUnit</a:t>
+            </a:r>
+            <a:r>
+              <a:rPr lang="it-IT" dirty="0"/>
+              <a:t> su </a:t>
+            </a:r>
+            <a:r>
+              <a:rPr lang="it-IT" dirty="0" err="1"/>
+              <a:t>Eclipse</a:t>
+            </a:r>
+            <a:r>
+              <a:rPr lang="it-IT" dirty="0"/>
+              <a:t>, insieme ad altri </a:t>
+            </a:r>
+            <a:r>
+              <a:rPr lang="it-IT" dirty="0" err="1"/>
+              <a:t>tool</a:t>
+            </a:r>
+            <a:r>
+              <a:rPr lang="it-IT" dirty="0"/>
+              <a:t> qualora sia necessario. </a:t>
+            </a:r>
+          </a:p>
+        </p:txBody>
+      </p:sp>
+    </p:spTree>
+    <p:extLst>
+      <p:ext uri="{BB962C8B-B14F-4D97-AF65-F5344CB8AC3E}">
+        <p14:creationId xmlns:p14="http://schemas.microsoft.com/office/powerpoint/2010/main" val="1698495712"/>
+      </p:ext>
+    </p:extLst>
+  </p:cSld>
+  <p:clrMapOvr>
+    <a:masterClrMapping/>
+  </p:clrMapOvr>
+  <mc:AlternateContent xmlns:mc="http://schemas.openxmlformats.org/markup-compatibility/2006" xmlns:p14="http://schemas.microsoft.com/office/powerpoint/2010/main">
+    <mc:Choice Requires="p14">
+      <p:transition spd="med" p14:dur="700">
+        <p:fade/>
+      </p:transition>
+    </mc:Choice>
+    <mc:Fallback xmlns="">
+      <p:transition spd="med">
+        <p:fade/>
+      </p:transition>
+    </mc:Fallback>
+  </mc:AlternateContent>
+  <p:timing>
+    <p:tnLst>
+      <p:par>
+        <p:cTn id="1" dur="indefinite" restart="never" nodeType="tmRoot"/>
+      </p:par>
+    </p:tnLst>
+  </p:timing>
+</p:sld>
+</file>
+
+<file path=ppt/slides/slide26.xml><?xml version="1.0" encoding="utf-8"?>
+<p:sld xmlns:a="http://schemas.openxmlformats.org/drawingml/2006/main" xmlns:r="http://schemas.openxmlformats.org/officeDocument/2006/relationships" xmlns:p="http://schemas.openxmlformats.org/presentationml/2006/main">
+  <p:cSld>
+    <p:spTree>
+      <p:nvGrpSpPr>
+        <p:cNvPr id="1" name=""/>
+        <p:cNvGrpSpPr/>
+        <p:nvPr/>
+      </p:nvGrpSpPr>
+      <p:grpSpPr>
+        <a:xfrm>
+          <a:off x="0" y="0"/>
+          <a:ext cx="0" cy="0"/>
+          <a:chOff x="0" y="0"/>
+          <a:chExt cx="0" cy="0"/>
+        </a:xfrm>
+      </p:grpSpPr>
+      <p:pic>
+        <p:nvPicPr>
+          <p:cNvPr id="15" name="Immagine 14" descr="..\Stemma.jpg"/>
+          <p:cNvPicPr/>
+          <p:nvPr/>
+        </p:nvPicPr>
+        <p:blipFill>
+          <a:blip r:embed="rId2">
+            <a:lum bright="80000" contrast="-70000"/>
+          </a:blip>
+          <a:srcRect/>
+          <a:stretch>
+            <a:fillRect/>
+          </a:stretch>
+        </p:blipFill>
+        <p:spPr>
+          <a:xfrm>
+            <a:off x="2621700" y="109003"/>
+            <a:ext cx="7283450" cy="6562725"/>
+          </a:xfrm>
+          <a:prstGeom prst="rect">
+            <a:avLst/>
+          </a:prstGeom>
+          <a:noFill/>
+          <a:ln>
+            <a:noFill/>
+            <a:prstDash/>
+          </a:ln>
+        </p:spPr>
+      </p:pic>
+      <p:sp>
+        <p:nvSpPr>
+          <p:cNvPr id="3" name="CasellaDiTesto 2"/>
+          <p:cNvSpPr txBox="1"/>
+          <p:nvPr/>
+        </p:nvSpPr>
+        <p:spPr>
+          <a:xfrm>
+            <a:off x="2255717" y="526097"/>
+            <a:ext cx="8015416" cy="4247317"/>
+          </a:xfrm>
+          <a:prstGeom prst="rect">
+            <a:avLst/>
+          </a:prstGeom>
+          <a:noFill/>
+        </p:spPr>
+        <p:txBody>
+          <a:bodyPr wrap="square" rtlCol="0">
+            <a:spAutoFit/>
+          </a:bodyPr>
+          <a:lstStyle/>
+          <a:p>
+            <a:pPr algn="ctr"/>
+            <a:r>
+              <a:rPr lang="it-IT" b="1" i="1" dirty="0"/>
+              <a:t>Test Case </a:t>
+            </a:r>
+            <a:r>
+              <a:rPr lang="it-IT" b="1" i="1" dirty="0" err="1" smtClean="0"/>
+              <a:t>Specification</a:t>
+            </a:r>
+            <a:endParaRPr lang="it-IT" b="1" i="1" dirty="0" smtClean="0"/>
+          </a:p>
+          <a:p>
+            <a:pPr algn="ctr"/>
+            <a:endParaRPr lang="it-IT" dirty="0"/>
+          </a:p>
+          <a:p>
+            <a:pPr algn="ctr"/>
+            <a:endParaRPr lang="it-IT" b="1" dirty="0" smtClean="0"/>
+          </a:p>
+          <a:p>
+            <a:pPr lvl="1"/>
+            <a:r>
+              <a:rPr lang="it-IT" b="1" dirty="0" smtClean="0"/>
+              <a:t>Aereo</a:t>
+            </a:r>
+            <a:r>
+              <a:rPr lang="it-IT" b="1" dirty="0"/>
+              <a:t>	</a:t>
+            </a:r>
+            <a:endParaRPr lang="it-IT" b="1" dirty="0" smtClean="0"/>
+          </a:p>
+          <a:p>
+            <a:pPr lvl="2"/>
+            <a:r>
+              <a:rPr lang="it-IT" dirty="0" smtClean="0"/>
+              <a:t>Inserisci Aereo</a:t>
+            </a:r>
+          </a:p>
+          <a:p>
+            <a:pPr lvl="1"/>
+            <a:r>
+              <a:rPr lang="it-IT" b="1" dirty="0" smtClean="0"/>
+              <a:t>Aeroporto</a:t>
+            </a:r>
+            <a:endParaRPr lang="it-IT" b="1" dirty="0" smtClean="0"/>
+          </a:p>
+          <a:p>
+            <a:pPr lvl="2"/>
+            <a:r>
+              <a:rPr lang="it-IT" dirty="0" smtClean="0"/>
+              <a:t>Aggiungi aeroporto</a:t>
+            </a:r>
+          </a:p>
+          <a:p>
+            <a:pPr lvl="1"/>
+            <a:r>
+              <a:rPr lang="it-IT" b="1" dirty="0" smtClean="0"/>
+              <a:t>Utente</a:t>
+            </a:r>
+            <a:endParaRPr lang="it-IT" b="1" dirty="0" smtClean="0"/>
+          </a:p>
+          <a:p>
+            <a:pPr lvl="2"/>
+            <a:r>
+              <a:rPr lang="it-IT" dirty="0" smtClean="0"/>
+              <a:t>Login</a:t>
+            </a:r>
+            <a:endParaRPr lang="it-IT" dirty="0" smtClean="0"/>
+          </a:p>
+          <a:p>
+            <a:pPr lvl="2"/>
+            <a:r>
+              <a:rPr lang="it-IT" dirty="0" smtClean="0"/>
+              <a:t>Registrazione </a:t>
+            </a:r>
+            <a:r>
+              <a:rPr lang="it-IT" dirty="0" smtClean="0"/>
+              <a:t>Utente</a:t>
+            </a:r>
+          </a:p>
+          <a:p>
+            <a:pPr lvl="2"/>
+            <a:r>
+              <a:rPr lang="it-IT" dirty="0" smtClean="0"/>
+              <a:t>Modifica Dati Utente</a:t>
+            </a:r>
+            <a:endParaRPr lang="it-IT" dirty="0" smtClean="0"/>
+          </a:p>
+          <a:p>
+            <a:pPr lvl="1"/>
+            <a:r>
+              <a:rPr lang="it-IT" b="1" dirty="0" smtClean="0"/>
+              <a:t>Volo</a:t>
+            </a:r>
+            <a:r>
+              <a:rPr lang="it-IT" b="1" dirty="0"/>
+              <a:t>	</a:t>
+            </a:r>
+            <a:endParaRPr lang="it-IT" b="1" dirty="0" smtClean="0"/>
+          </a:p>
+          <a:p>
+            <a:pPr lvl="2"/>
+            <a:r>
+              <a:rPr lang="it-IT" dirty="0" smtClean="0"/>
+              <a:t>Inserisci Volo</a:t>
+            </a:r>
+          </a:p>
+          <a:p>
+            <a:pPr lvl="2"/>
+            <a:r>
+              <a:rPr lang="it-IT" dirty="0" smtClean="0"/>
+              <a:t>Modifica Volo</a:t>
+            </a:r>
+            <a:r>
+              <a:rPr lang="it-IT" dirty="0"/>
+              <a:t>	</a:t>
+            </a:r>
+            <a:endParaRPr lang="it-IT" dirty="0" smtClean="0"/>
+          </a:p>
+          <a:p>
+            <a:pPr lvl="2"/>
+            <a:r>
+              <a:rPr lang="it-IT" dirty="0" smtClean="0"/>
+              <a:t>Ricerca </a:t>
+            </a:r>
+            <a:r>
+              <a:rPr lang="it-IT" dirty="0" smtClean="0"/>
+              <a:t>volo</a:t>
+            </a:r>
+          </a:p>
+        </p:txBody>
+      </p:sp>
+    </p:spTree>
+    <p:extLst>
+      <p:ext uri="{BB962C8B-B14F-4D97-AF65-F5344CB8AC3E}">
+        <p14:creationId xmlns:p14="http://schemas.microsoft.com/office/powerpoint/2010/main" val="3136904386"/>
+      </p:ext>
+    </p:extLst>
+  </p:cSld>
+  <p:clrMapOvr>
+    <a:masterClrMapping/>
+  </p:clrMapOvr>
+  <mc:AlternateContent xmlns:mc="http://schemas.openxmlformats.org/markup-compatibility/2006" xmlns:p14="http://schemas.microsoft.com/office/powerpoint/2010/main">
+    <mc:Choice Requires="p14">
+      <p:transition spd="med" p14:dur="700">
+        <p:fade/>
+      </p:transition>
+    </mc:Choice>
+    <mc:Fallback xmlns="">
+      <p:transition spd="med">
+        <p:fade/>
+      </p:transition>
+    </mc:Fallback>
+  </mc:AlternateContent>
+  <p:timing>
+    <p:tnLst>
+      <p:par>
+        <p:cTn id="1" dur="indefinite" restart="never" nodeType="tmRoot"/>
+      </p:par>
+    </p:tnLst>
+  </p:timing>
+</p:sld>
+</file>
+
+<file path=ppt/slides/slide27.xml><?xml version="1.0" encoding="utf-8"?>
+<p:sld xmlns:a="http://schemas.openxmlformats.org/drawingml/2006/main" xmlns:r="http://schemas.openxmlformats.org/officeDocument/2006/relationships" xmlns:p="http://schemas.openxmlformats.org/presentationml/2006/main">
+  <p:cSld>
+    <p:spTree>
+      <p:nvGrpSpPr>
+        <p:cNvPr id="1" name=""/>
+        <p:cNvGrpSpPr/>
+        <p:nvPr/>
+      </p:nvGrpSpPr>
+      <p:grpSpPr>
+        <a:xfrm>
+          <a:off x="0" y="0"/>
+          <a:ext cx="0" cy="0"/>
+          <a:chOff x="0" y="0"/>
+          <a:chExt cx="0" cy="0"/>
+        </a:xfrm>
+      </p:grpSpPr>
+      <p:pic>
+        <p:nvPicPr>
+          <p:cNvPr id="15" name="Immagine 14" descr="..\Stemma.jpg"/>
+          <p:cNvPicPr/>
+          <p:nvPr/>
+        </p:nvPicPr>
+        <p:blipFill>
+          <a:blip r:embed="rId2">
+            <a:lum bright="80000" contrast="-70000"/>
+          </a:blip>
+          <a:srcRect/>
+          <a:stretch>
+            <a:fillRect/>
+          </a:stretch>
+        </p:blipFill>
+        <p:spPr>
+          <a:xfrm>
+            <a:off x="2621700" y="109003"/>
+            <a:ext cx="7283450" cy="6562725"/>
+          </a:xfrm>
+          <a:prstGeom prst="rect">
+            <a:avLst/>
+          </a:prstGeom>
+          <a:noFill/>
+          <a:ln>
+            <a:noFill/>
+            <a:prstDash/>
+          </a:ln>
+        </p:spPr>
+      </p:pic>
+      <p:sp>
+        <p:nvSpPr>
+          <p:cNvPr id="3" name="CasellaDiTesto 2"/>
+          <p:cNvSpPr txBox="1"/>
+          <p:nvPr/>
+        </p:nvSpPr>
+        <p:spPr>
+          <a:xfrm>
+            <a:off x="2255717" y="526097"/>
+            <a:ext cx="8015416" cy="5047536"/>
+          </a:xfrm>
+          <a:prstGeom prst="rect">
+            <a:avLst/>
+          </a:prstGeom>
+          <a:noFill/>
+        </p:spPr>
+        <p:txBody>
+          <a:bodyPr wrap="square" rtlCol="0">
+            <a:spAutoFit/>
+          </a:bodyPr>
+          <a:lstStyle/>
+          <a:p>
+            <a:pPr algn="ctr"/>
+            <a:r>
+              <a:rPr lang="it-IT" b="1" i="1" dirty="0" err="1"/>
+              <a:t>Testing</a:t>
+            </a:r>
+            <a:r>
+              <a:rPr lang="it-IT" b="1" i="1" dirty="0"/>
+              <a:t> D’unità</a:t>
+            </a:r>
+            <a:endParaRPr lang="it-IT" dirty="0"/>
+          </a:p>
+          <a:p>
+            <a:pPr algn="ctr"/>
+            <a:endParaRPr lang="it-IT" b="1" dirty="0" smtClean="0"/>
+          </a:p>
+          <a:p>
+            <a:r>
+              <a:rPr lang="it-IT" b="1" dirty="0"/>
+              <a:t>Pianificazione </a:t>
+            </a:r>
+            <a:r>
+              <a:rPr lang="it-IT" b="1" dirty="0" err="1"/>
+              <a:t>testing</a:t>
+            </a:r>
+            <a:r>
+              <a:rPr lang="it-IT" b="1" dirty="0"/>
+              <a:t> d’unità </a:t>
+            </a:r>
+            <a:endParaRPr lang="it-IT" sz="1400" dirty="0"/>
+          </a:p>
+          <a:p>
+            <a:r>
+              <a:rPr lang="it-IT" dirty="0"/>
+              <a:t>La metodologia scelta per effettuare i test d’unità è il </a:t>
+            </a:r>
+            <a:r>
+              <a:rPr lang="it-IT" dirty="0" err="1"/>
+              <a:t>Category</a:t>
+            </a:r>
+            <a:r>
+              <a:rPr lang="it-IT" dirty="0"/>
+              <a:t> </a:t>
+            </a:r>
+            <a:r>
+              <a:rPr lang="it-IT" dirty="0" err="1"/>
+              <a:t>Partition</a:t>
+            </a:r>
+            <a:r>
+              <a:rPr lang="it-IT" dirty="0"/>
+              <a:t>. I vantaggi forniti da questa tecnica consistono in: </a:t>
+            </a:r>
+            <a:endParaRPr lang="it-IT" sz="1600" dirty="0"/>
+          </a:p>
+          <a:p>
+            <a:r>
+              <a:rPr lang="it-IT" dirty="0"/>
+              <a:t>- Esplicitare le relazioni tra le variabili da testare. </a:t>
+            </a:r>
+            <a:endParaRPr lang="it-IT" sz="1600" dirty="0"/>
+          </a:p>
+          <a:p>
+            <a:r>
+              <a:rPr lang="it-IT" dirty="0"/>
+              <a:t>- Evitare di selezionare casi di test non utili. </a:t>
+            </a:r>
+            <a:endParaRPr lang="it-IT" sz="1600" dirty="0"/>
+          </a:p>
+          <a:p>
+            <a:r>
+              <a:rPr lang="it-IT" dirty="0"/>
+              <a:t>- Selezionare anche casi di test in cui ci siano dei legami tra le diverse variabili. </a:t>
+            </a:r>
+            <a:endParaRPr lang="it-IT" sz="1600" dirty="0"/>
+          </a:p>
+          <a:p>
+            <a:r>
+              <a:rPr lang="it-IT" dirty="0"/>
+              <a:t> </a:t>
+            </a:r>
+            <a:r>
+              <a:rPr lang="it-IT" sz="1600" dirty="0"/>
+              <a:t>Per ogni classe </a:t>
+            </a:r>
+            <a:r>
+              <a:rPr lang="it-IT" sz="1600" i="1" dirty="0"/>
+              <a:t>DAO</a:t>
+            </a:r>
+            <a:r>
+              <a:rPr lang="it-IT" sz="1600" dirty="0"/>
+              <a:t>, quindi, vengono testati i seguenti metodi:</a:t>
+            </a:r>
+          </a:p>
+          <a:p>
+            <a:pPr lvl="0"/>
+            <a:r>
+              <a:rPr lang="it-IT" sz="1600" dirty="0" err="1"/>
+              <a:t>AereoDAO</a:t>
+            </a:r>
+            <a:r>
+              <a:rPr lang="it-IT" sz="1600" dirty="0"/>
+              <a:t>:</a:t>
+            </a:r>
+          </a:p>
+          <a:p>
+            <a:pPr lvl="0"/>
+            <a:r>
+              <a:rPr lang="it-IT" sz="1600" dirty="0" err="1"/>
+              <a:t>doSave</a:t>
+            </a:r>
+            <a:endParaRPr lang="it-IT" sz="1600" dirty="0"/>
+          </a:p>
+          <a:p>
+            <a:pPr lvl="0"/>
+            <a:r>
+              <a:rPr lang="it-IT" sz="1600" dirty="0" err="1"/>
+              <a:t>avaibleAir</a:t>
+            </a:r>
+            <a:endParaRPr lang="it-IT" sz="1600" dirty="0"/>
+          </a:p>
+          <a:p>
+            <a:pPr lvl="0"/>
+            <a:r>
+              <a:rPr lang="it-IT" sz="1600" dirty="0" err="1"/>
+              <a:t>getCodPosti</a:t>
+            </a:r>
+            <a:endParaRPr lang="it-IT" sz="1600" dirty="0"/>
+          </a:p>
+          <a:p>
+            <a:pPr lvl="0"/>
+            <a:r>
+              <a:rPr lang="it-IT" sz="1600" dirty="0" err="1" smtClean="0"/>
+              <a:t>maxAereo</a:t>
+            </a:r>
+            <a:endParaRPr lang="it-IT" sz="1600" dirty="0" smtClean="0"/>
+          </a:p>
+          <a:p>
+            <a:pPr lvl="0"/>
+            <a:endParaRPr lang="it-IT" sz="1600" dirty="0"/>
+          </a:p>
+          <a:p>
+            <a:r>
+              <a:rPr lang="it-IT" sz="1600" dirty="0" err="1" smtClean="0"/>
+              <a:t>UtenteDAO</a:t>
+            </a:r>
+            <a:r>
+              <a:rPr lang="it-IT" sz="1600" dirty="0"/>
+              <a:t>:</a:t>
+            </a:r>
+          </a:p>
+          <a:p>
+            <a:pPr lvl="0"/>
+            <a:r>
+              <a:rPr lang="it-IT" sz="1600" dirty="0" err="1"/>
+              <a:t>doRetrieveByKey</a:t>
+            </a:r>
+            <a:endParaRPr lang="it-IT" sz="1600" dirty="0"/>
+          </a:p>
+          <a:p>
+            <a:pPr lvl="0"/>
+            <a:r>
+              <a:rPr lang="it-IT" sz="1600" dirty="0" err="1"/>
+              <a:t>doSave</a:t>
+            </a:r>
+            <a:endParaRPr lang="it-IT" sz="1600" dirty="0"/>
+          </a:p>
+          <a:p>
+            <a:r>
+              <a:rPr lang="it-IT" sz="1600" dirty="0"/>
+              <a:t> </a:t>
+            </a:r>
+          </a:p>
+        </p:txBody>
+      </p:sp>
+      <p:sp>
+        <p:nvSpPr>
+          <p:cNvPr id="2" name="CasellaDiTesto 1"/>
+          <p:cNvSpPr txBox="1"/>
+          <p:nvPr/>
+        </p:nvSpPr>
+        <p:spPr>
+          <a:xfrm>
+            <a:off x="4571999" y="3034476"/>
+            <a:ext cx="1965025" cy="2031325"/>
+          </a:xfrm>
+          <a:prstGeom prst="rect">
+            <a:avLst/>
+          </a:prstGeom>
+          <a:noFill/>
+        </p:spPr>
+        <p:txBody>
+          <a:bodyPr wrap="none" rtlCol="0">
+            <a:spAutoFit/>
+          </a:bodyPr>
+          <a:lstStyle/>
+          <a:p>
+            <a:r>
+              <a:rPr lang="it-IT" dirty="0" err="1"/>
+              <a:t>AeroportoDAO</a:t>
+            </a:r>
+            <a:endParaRPr lang="it-IT" dirty="0"/>
+          </a:p>
+          <a:p>
+            <a:pPr lvl="0"/>
+            <a:r>
+              <a:rPr lang="it-IT" dirty="0" err="1"/>
+              <a:t>doSave</a:t>
+            </a:r>
+            <a:endParaRPr lang="it-IT" dirty="0"/>
+          </a:p>
+          <a:p>
+            <a:pPr lvl="0"/>
+            <a:r>
+              <a:rPr lang="it-IT" dirty="0" err="1" smtClean="0"/>
+              <a:t>getAeroporto</a:t>
+            </a:r>
+            <a:endParaRPr lang="it-IT" dirty="0" smtClean="0"/>
+          </a:p>
+          <a:p>
+            <a:pPr lvl="0"/>
+            <a:endParaRPr lang="it-IT" dirty="0"/>
+          </a:p>
+          <a:p>
+            <a:r>
+              <a:rPr lang="it-IT" dirty="0"/>
+              <a:t> </a:t>
+            </a:r>
+            <a:r>
+              <a:rPr lang="it-IT" dirty="0" err="1"/>
+              <a:t>PrenotazioneDAO</a:t>
+            </a:r>
+            <a:r>
+              <a:rPr lang="it-IT" dirty="0"/>
+              <a:t>:</a:t>
+            </a:r>
+          </a:p>
+          <a:p>
+            <a:pPr lvl="0"/>
+            <a:r>
+              <a:rPr lang="it-IT" dirty="0" err="1"/>
+              <a:t>showAll</a:t>
+            </a:r>
+            <a:endParaRPr lang="it-IT" dirty="0"/>
+          </a:p>
+          <a:p>
+            <a:endParaRPr lang="it-IT" dirty="0"/>
+          </a:p>
+        </p:txBody>
+      </p:sp>
+      <p:sp>
+        <p:nvSpPr>
+          <p:cNvPr id="4" name="CasellaDiTesto 3"/>
+          <p:cNvSpPr txBox="1"/>
+          <p:nvPr/>
+        </p:nvSpPr>
+        <p:spPr>
+          <a:xfrm>
+            <a:off x="6866020" y="3049865"/>
+            <a:ext cx="4138890" cy="2585323"/>
+          </a:xfrm>
+          <a:prstGeom prst="rect">
+            <a:avLst/>
+          </a:prstGeom>
+          <a:noFill/>
+        </p:spPr>
+        <p:txBody>
+          <a:bodyPr wrap="none" rtlCol="0">
+            <a:spAutoFit/>
+          </a:bodyPr>
+          <a:lstStyle/>
+          <a:p>
+            <a:r>
+              <a:rPr lang="it-IT" dirty="0" err="1"/>
+              <a:t>VoloDAO</a:t>
+            </a:r>
+            <a:endParaRPr lang="it-IT" dirty="0"/>
+          </a:p>
+          <a:p>
+            <a:pPr lvl="0"/>
+            <a:r>
+              <a:rPr lang="it-IT" dirty="0" err="1"/>
+              <a:t>doSave</a:t>
+            </a:r>
+            <a:endParaRPr lang="it-IT" dirty="0"/>
+          </a:p>
+          <a:p>
+            <a:pPr lvl="0"/>
+            <a:r>
+              <a:rPr lang="it-IT" dirty="0" err="1"/>
+              <a:t>doUpdate</a:t>
+            </a:r>
+            <a:endParaRPr lang="it-IT" dirty="0"/>
+          </a:p>
+          <a:p>
+            <a:pPr lvl="0"/>
+            <a:r>
+              <a:rPr lang="it-IT" dirty="0" err="1"/>
+              <a:t>showAll</a:t>
+            </a:r>
+            <a:endParaRPr lang="it-IT" dirty="0"/>
+          </a:p>
+          <a:p>
+            <a:pPr lvl="0"/>
+            <a:r>
+              <a:rPr lang="it-IT" dirty="0" err="1"/>
+              <a:t>showAllLowCost</a:t>
+            </a:r>
+            <a:endParaRPr lang="it-IT" dirty="0"/>
+          </a:p>
+          <a:p>
+            <a:pPr lvl="0"/>
+            <a:r>
+              <a:rPr lang="it-IT" dirty="0" err="1"/>
+              <a:t>doRetrieveByCod</a:t>
+            </a:r>
+            <a:endParaRPr lang="it-IT" dirty="0"/>
+          </a:p>
+          <a:p>
+            <a:pPr lvl="0"/>
+            <a:r>
+              <a:rPr lang="it-IT" dirty="0" err="1"/>
+              <a:t>isLowCost</a:t>
+            </a:r>
+            <a:endParaRPr lang="it-IT" dirty="0"/>
+          </a:p>
+          <a:p>
+            <a:r>
+              <a:rPr lang="it-IT" dirty="0" err="1"/>
+              <a:t>doRetrieveByAereoportoeDataSoloAndata</a:t>
+            </a:r>
+            <a:endParaRPr lang="it-IT" dirty="0"/>
+          </a:p>
+          <a:p>
+            <a:endParaRPr lang="it-IT" dirty="0"/>
+          </a:p>
+        </p:txBody>
+      </p:sp>
+    </p:spTree>
+    <p:extLst>
+      <p:ext uri="{BB962C8B-B14F-4D97-AF65-F5344CB8AC3E}">
+        <p14:creationId xmlns:p14="http://schemas.microsoft.com/office/powerpoint/2010/main" val="3081895123"/>
+      </p:ext>
+    </p:extLst>
+  </p:cSld>
+  <p:clrMapOvr>
+    <a:masterClrMapping/>
+  </p:clrMapOvr>
+  <mc:AlternateContent xmlns:mc="http://schemas.openxmlformats.org/markup-compatibility/2006" xmlns:p14="http://schemas.microsoft.com/office/powerpoint/2010/main">
+    <mc:Choice Requires="p14">
+      <p:transition spd="med" p14:dur="700">
+        <p:fade/>
+      </p:transition>
+    </mc:Choice>
+    <mc:Fallback xmlns="">
+      <p:transition spd="med">
+        <p:fade/>
+      </p:transition>
+    </mc:Fallback>
+  </mc:AlternateContent>
+  <p:timing>
+    <p:tnLst>
+      <p:par>
+        <p:cTn id="1" dur="indefinite" restart="never" nodeType="tmRoot"/>
+      </p:par>
+    </p:tnLst>
+  </p:timing>
+</p:sld>
+</file>
+
+<file path=ppt/slides/slide28.xml><?xml version="1.0" encoding="utf-8"?>
+<p:sld xmlns:a="http://schemas.openxmlformats.org/drawingml/2006/main" xmlns:r="http://schemas.openxmlformats.org/officeDocument/2006/relationships" xmlns:p="http://schemas.openxmlformats.org/presentationml/2006/main">
+  <p:cSld>
+    <p:spTree>
+      <p:nvGrpSpPr>
+        <p:cNvPr id="1" name=""/>
+        <p:cNvGrpSpPr/>
+        <p:nvPr/>
+      </p:nvGrpSpPr>
+      <p:grpSpPr>
+        <a:xfrm>
+          <a:off x="0" y="0"/>
+          <a:ext cx="0" cy="0"/>
+          <a:chOff x="0" y="0"/>
+          <a:chExt cx="0" cy="0"/>
+        </a:xfrm>
+      </p:grpSpPr>
+      <p:pic>
+        <p:nvPicPr>
+          <p:cNvPr id="15" name="Immagine 14" descr="..\Stemma.jpg"/>
+          <p:cNvPicPr/>
+          <p:nvPr/>
+        </p:nvPicPr>
+        <p:blipFill>
+          <a:blip r:embed="rId2">
+            <a:lum bright="80000" contrast="-70000"/>
+          </a:blip>
+          <a:srcRect/>
+          <a:stretch>
+            <a:fillRect/>
+          </a:stretch>
+        </p:blipFill>
+        <p:spPr>
+          <a:xfrm>
+            <a:off x="2621700" y="109003"/>
+            <a:ext cx="7283450" cy="6562725"/>
+          </a:xfrm>
+          <a:prstGeom prst="rect">
+            <a:avLst/>
+          </a:prstGeom>
+          <a:noFill/>
+          <a:ln>
+            <a:noFill/>
+            <a:prstDash/>
+          </a:ln>
+        </p:spPr>
+      </p:pic>
+      <p:sp>
+        <p:nvSpPr>
+          <p:cNvPr id="3" name="CasellaDiTesto 2"/>
+          <p:cNvSpPr txBox="1"/>
+          <p:nvPr/>
+        </p:nvSpPr>
+        <p:spPr>
+          <a:xfrm>
+            <a:off x="2255717" y="109003"/>
+            <a:ext cx="8015416" cy="615553"/>
+          </a:xfrm>
+          <a:prstGeom prst="rect">
+            <a:avLst/>
+          </a:prstGeom>
+          <a:noFill/>
+        </p:spPr>
+        <p:txBody>
+          <a:bodyPr wrap="square" rtlCol="0">
+            <a:spAutoFit/>
+          </a:bodyPr>
+          <a:lstStyle/>
+          <a:p>
+            <a:pPr algn="ctr"/>
+            <a:r>
+              <a:rPr lang="it-IT" b="1" i="1" dirty="0"/>
+              <a:t>Test </a:t>
+            </a:r>
+            <a:r>
+              <a:rPr lang="it-IT" b="1" i="1" dirty="0" err="1"/>
+              <a:t>Summary</a:t>
+            </a:r>
+            <a:r>
+              <a:rPr lang="it-IT" b="1" i="1" dirty="0"/>
+              <a:t> Report</a:t>
+            </a:r>
+            <a:endParaRPr lang="it-IT" b="1" dirty="0" smtClean="0"/>
+          </a:p>
+          <a:p>
+            <a:r>
+              <a:rPr lang="it-IT" sz="1600" dirty="0"/>
+              <a:t> </a:t>
+            </a:r>
+          </a:p>
+        </p:txBody>
+      </p:sp>
+      <p:graphicFrame>
+        <p:nvGraphicFramePr>
+          <p:cNvPr id="7" name="Tabella 6"/>
+          <p:cNvGraphicFramePr>
+            <a:graphicFrameLocks noGrp="1"/>
+          </p:cNvGraphicFramePr>
+          <p:nvPr>
+            <p:extLst>
+              <p:ext uri="{D42A27DB-BD31-4B8C-83A1-F6EECF244321}">
+                <p14:modId xmlns:p14="http://schemas.microsoft.com/office/powerpoint/2010/main" val="1198711321"/>
+              </p:ext>
+            </p:extLst>
+          </p:nvPr>
+        </p:nvGraphicFramePr>
+        <p:xfrm>
+          <a:off x="770019" y="724556"/>
+          <a:ext cx="10651958" cy="5984220"/>
+        </p:xfrm>
+        <a:graphic>
+          <a:graphicData uri="http://schemas.openxmlformats.org/drawingml/2006/table">
+            <a:tbl>
+              <a:tblPr firstRow="1" firstCol="1" bandRow="1">
+                <a:tableStyleId>{5C22544A-7EE6-4342-B048-85BDC9FD1C3A}</a:tableStyleId>
+              </a:tblPr>
+              <a:tblGrid>
+                <a:gridCol w="3028900"/>
+                <a:gridCol w="4749817"/>
+                <a:gridCol w="1685243"/>
+                <a:gridCol w="1187998"/>
+              </a:tblGrid>
+              <a:tr h="375900">
+                <a:tc>
+                  <a:txBody>
+                    <a:bodyPr/>
+                    <a:lstStyle/>
+                    <a:p>
+                      <a:pPr marL="457200">
+                        <a:lnSpc>
+                          <a:spcPct val="115000"/>
+                        </a:lnSpc>
+                        <a:spcAft>
+                          <a:spcPts val="0"/>
+                        </a:spcAft>
+                      </a:pPr>
+                      <a:r>
+                        <a:rPr lang="it-IT" sz="2000" dirty="0">
+                          <a:effectLst/>
+                        </a:rPr>
+                        <a:t>Classe</a:t>
+                      </a:r>
+                      <a:endParaRPr lang="it-IT" sz="1800" dirty="0">
+                        <a:effectLst/>
+                        <a:latin typeface="Calibri" panose="020F0502020204030204" pitchFamily="34" charset="0"/>
+                        <a:ea typeface="Calibri" panose="020F0502020204030204" pitchFamily="34" charset="0"/>
+                        <a:cs typeface="Times New Roman" panose="02020603050405020304" pitchFamily="18" charset="0"/>
+                      </a:endParaRPr>
+                    </a:p>
+                  </a:txBody>
+                  <a:tcPr marL="23389" marR="23389" marT="0" marB="0"/>
+                </a:tc>
+                <a:tc>
+                  <a:txBody>
+                    <a:bodyPr/>
+                    <a:lstStyle/>
+                    <a:p>
+                      <a:pPr marL="457200">
+                        <a:lnSpc>
+                          <a:spcPct val="115000"/>
+                        </a:lnSpc>
+                        <a:spcAft>
+                          <a:spcPts val="0"/>
+                        </a:spcAft>
+                      </a:pPr>
+                      <a:r>
+                        <a:rPr lang="it-IT" sz="2000">
+                          <a:effectLst/>
+                        </a:rPr>
+                        <a:t>Metodo</a:t>
+                      </a:r>
+                      <a:endParaRPr lang="it-IT" sz="1800">
+                        <a:effectLst/>
+                        <a:latin typeface="Calibri" panose="020F0502020204030204" pitchFamily="34" charset="0"/>
+                        <a:ea typeface="Calibri" panose="020F0502020204030204" pitchFamily="34" charset="0"/>
+                        <a:cs typeface="Times New Roman" panose="02020603050405020304" pitchFamily="18" charset="0"/>
+                      </a:endParaRPr>
+                    </a:p>
+                  </a:txBody>
+                  <a:tcPr marL="23389" marR="23389" marT="0" marB="0"/>
+                </a:tc>
+                <a:tc>
+                  <a:txBody>
+                    <a:bodyPr/>
+                    <a:lstStyle/>
+                    <a:p>
+                      <a:pPr marL="457200">
+                        <a:lnSpc>
+                          <a:spcPct val="115000"/>
+                        </a:lnSpc>
+                        <a:spcAft>
+                          <a:spcPts val="0"/>
+                        </a:spcAft>
+                      </a:pPr>
+                      <a:r>
+                        <a:rPr lang="it-IT" sz="2000">
+                          <a:effectLst/>
+                        </a:rPr>
+                        <a:t>Esito</a:t>
+                      </a:r>
+                      <a:endParaRPr lang="it-IT" sz="1800">
+                        <a:effectLst/>
+                        <a:latin typeface="Calibri" panose="020F0502020204030204" pitchFamily="34" charset="0"/>
+                        <a:ea typeface="Calibri" panose="020F0502020204030204" pitchFamily="34" charset="0"/>
+                        <a:cs typeface="Times New Roman" panose="02020603050405020304" pitchFamily="18" charset="0"/>
+                      </a:endParaRPr>
+                    </a:p>
+                  </a:txBody>
+                  <a:tcPr marL="23389" marR="23389" marT="0" marB="0"/>
+                </a:tc>
+                <a:tc>
+                  <a:txBody>
+                    <a:bodyPr/>
+                    <a:lstStyle/>
+                    <a:p>
+                      <a:pPr marL="457200">
+                        <a:lnSpc>
+                          <a:spcPct val="115000"/>
+                        </a:lnSpc>
+                        <a:spcAft>
+                          <a:spcPts val="0"/>
+                        </a:spcAft>
+                      </a:pPr>
+                      <a:r>
+                        <a:rPr lang="it-IT" sz="2000">
+                          <a:effectLst/>
+                        </a:rPr>
+                        <a:t>Note</a:t>
+                      </a:r>
+                      <a:endParaRPr lang="it-IT" sz="1800">
+                        <a:effectLst/>
+                        <a:latin typeface="Calibri" panose="020F0502020204030204" pitchFamily="34" charset="0"/>
+                        <a:ea typeface="Calibri" panose="020F0502020204030204" pitchFamily="34" charset="0"/>
+                        <a:cs typeface="Times New Roman" panose="02020603050405020304" pitchFamily="18" charset="0"/>
+                      </a:endParaRPr>
+                    </a:p>
+                  </a:txBody>
+                  <a:tcPr marL="23389" marR="23389" marT="0" marB="0"/>
+                </a:tc>
+              </a:tr>
+              <a:tr h="312222">
+                <a:tc>
+                  <a:txBody>
+                    <a:bodyPr/>
+                    <a:lstStyle/>
+                    <a:p>
+                      <a:pPr marL="457200">
+                        <a:lnSpc>
+                          <a:spcPct val="115000"/>
+                        </a:lnSpc>
+                        <a:spcAft>
+                          <a:spcPts val="0"/>
+                        </a:spcAft>
+                      </a:pPr>
+                      <a:r>
+                        <a:rPr lang="it-IT" sz="2000" dirty="0" err="1">
+                          <a:effectLst/>
+                        </a:rPr>
+                        <a:t>AereoDAO</a:t>
+                      </a:r>
+                      <a:endParaRPr lang="it-IT" sz="1800" dirty="0">
+                        <a:effectLst/>
+                        <a:latin typeface="Calibri" panose="020F0502020204030204" pitchFamily="34" charset="0"/>
+                        <a:ea typeface="Calibri" panose="020F0502020204030204" pitchFamily="34" charset="0"/>
+                        <a:cs typeface="Times New Roman" panose="02020603050405020304" pitchFamily="18" charset="0"/>
+                      </a:endParaRPr>
+                    </a:p>
+                  </a:txBody>
+                  <a:tcPr marL="23389" marR="23389" marT="0" marB="0"/>
+                </a:tc>
+                <a:tc>
+                  <a:txBody>
+                    <a:bodyPr/>
+                    <a:lstStyle/>
+                    <a:p>
+                      <a:pPr marL="457200">
+                        <a:lnSpc>
+                          <a:spcPct val="115000"/>
+                        </a:lnSpc>
+                        <a:spcAft>
+                          <a:spcPts val="0"/>
+                        </a:spcAft>
+                      </a:pPr>
+                      <a:r>
+                        <a:rPr lang="it-IT" sz="2000">
+                          <a:effectLst/>
+                        </a:rPr>
+                        <a:t>doSave</a:t>
+                      </a:r>
+                      <a:endParaRPr lang="it-IT" sz="1800">
+                        <a:effectLst/>
+                        <a:latin typeface="Calibri" panose="020F0502020204030204" pitchFamily="34" charset="0"/>
+                        <a:ea typeface="Calibri" panose="020F0502020204030204" pitchFamily="34" charset="0"/>
+                        <a:cs typeface="Times New Roman" panose="02020603050405020304" pitchFamily="18" charset="0"/>
+                      </a:endParaRPr>
+                    </a:p>
+                  </a:txBody>
+                  <a:tcPr marL="23389" marR="23389" marT="0" marB="0"/>
+                </a:tc>
+                <a:tc>
+                  <a:txBody>
+                    <a:bodyPr/>
+                    <a:lstStyle/>
+                    <a:p>
+                      <a:pPr marL="457200">
+                        <a:lnSpc>
+                          <a:spcPct val="115000"/>
+                        </a:lnSpc>
+                        <a:spcAft>
+                          <a:spcPts val="0"/>
+                        </a:spcAft>
+                      </a:pPr>
+                      <a:r>
+                        <a:rPr lang="it-IT" sz="2000">
+                          <a:effectLst/>
+                        </a:rPr>
+                        <a:t>Negativo</a:t>
+                      </a:r>
+                      <a:endParaRPr lang="it-IT" sz="1800">
+                        <a:effectLst/>
+                        <a:latin typeface="Calibri" panose="020F0502020204030204" pitchFamily="34" charset="0"/>
+                        <a:ea typeface="Calibri" panose="020F0502020204030204" pitchFamily="34" charset="0"/>
+                        <a:cs typeface="Times New Roman" panose="02020603050405020304" pitchFamily="18" charset="0"/>
+                      </a:endParaRPr>
+                    </a:p>
+                  </a:txBody>
+                  <a:tcPr marL="23389" marR="23389" marT="0" marB="0"/>
+                </a:tc>
+                <a:tc>
+                  <a:txBody>
+                    <a:bodyPr/>
+                    <a:lstStyle/>
+                    <a:p>
+                      <a:pPr marL="457200">
+                        <a:lnSpc>
+                          <a:spcPct val="115000"/>
+                        </a:lnSpc>
+                        <a:spcAft>
+                          <a:spcPts val="0"/>
+                        </a:spcAft>
+                      </a:pPr>
+                      <a:r>
+                        <a:rPr lang="it-IT" sz="2000">
+                          <a:effectLst/>
+                        </a:rPr>
+                        <a:t> </a:t>
+                      </a:r>
+                      <a:endParaRPr lang="it-IT" sz="1800">
+                        <a:effectLst/>
+                        <a:latin typeface="Calibri" panose="020F0502020204030204" pitchFamily="34" charset="0"/>
+                        <a:ea typeface="Calibri" panose="020F0502020204030204" pitchFamily="34" charset="0"/>
+                        <a:cs typeface="Times New Roman" panose="02020603050405020304" pitchFamily="18" charset="0"/>
+                      </a:endParaRPr>
+                    </a:p>
+                  </a:txBody>
+                  <a:tcPr marL="23389" marR="23389" marT="0" marB="0"/>
+                </a:tc>
+              </a:tr>
+              <a:tr h="312222">
+                <a:tc>
+                  <a:txBody>
+                    <a:bodyPr/>
+                    <a:lstStyle/>
+                    <a:p>
+                      <a:pPr marL="457200">
+                        <a:lnSpc>
+                          <a:spcPct val="115000"/>
+                        </a:lnSpc>
+                        <a:spcAft>
+                          <a:spcPts val="0"/>
+                        </a:spcAft>
+                      </a:pPr>
+                      <a:r>
+                        <a:rPr lang="it-IT" sz="2000" dirty="0" err="1">
+                          <a:effectLst/>
+                        </a:rPr>
+                        <a:t>AereoDAO</a:t>
+                      </a:r>
+                      <a:endParaRPr lang="it-IT" sz="1800" dirty="0">
+                        <a:effectLst/>
+                        <a:latin typeface="Calibri" panose="020F0502020204030204" pitchFamily="34" charset="0"/>
+                        <a:ea typeface="Calibri" panose="020F0502020204030204" pitchFamily="34" charset="0"/>
+                        <a:cs typeface="Times New Roman" panose="02020603050405020304" pitchFamily="18" charset="0"/>
+                      </a:endParaRPr>
+                    </a:p>
+                  </a:txBody>
+                  <a:tcPr marL="23389" marR="23389" marT="0" marB="0"/>
+                </a:tc>
+                <a:tc>
+                  <a:txBody>
+                    <a:bodyPr/>
+                    <a:lstStyle/>
+                    <a:p>
+                      <a:pPr marL="457200">
+                        <a:lnSpc>
+                          <a:spcPct val="115000"/>
+                        </a:lnSpc>
+                        <a:spcAft>
+                          <a:spcPts val="0"/>
+                        </a:spcAft>
+                      </a:pPr>
+                      <a:r>
+                        <a:rPr lang="it-IT" sz="2000" dirty="0" err="1">
+                          <a:effectLst/>
+                        </a:rPr>
+                        <a:t>getAvaibleAir</a:t>
+                      </a:r>
+                      <a:endParaRPr lang="it-IT" sz="1800" dirty="0">
+                        <a:effectLst/>
+                        <a:latin typeface="Calibri" panose="020F0502020204030204" pitchFamily="34" charset="0"/>
+                        <a:ea typeface="Calibri" panose="020F0502020204030204" pitchFamily="34" charset="0"/>
+                        <a:cs typeface="Times New Roman" panose="02020603050405020304" pitchFamily="18" charset="0"/>
+                      </a:endParaRPr>
+                    </a:p>
+                  </a:txBody>
+                  <a:tcPr marL="23389" marR="23389" marT="0" marB="0"/>
+                </a:tc>
+                <a:tc>
+                  <a:txBody>
+                    <a:bodyPr/>
+                    <a:lstStyle/>
+                    <a:p>
+                      <a:pPr marL="457200">
+                        <a:lnSpc>
+                          <a:spcPct val="115000"/>
+                        </a:lnSpc>
+                        <a:spcAft>
+                          <a:spcPts val="0"/>
+                        </a:spcAft>
+                      </a:pPr>
+                      <a:r>
+                        <a:rPr lang="it-IT" sz="2000">
+                          <a:effectLst/>
+                        </a:rPr>
+                        <a:t>Negativo</a:t>
+                      </a:r>
+                      <a:endParaRPr lang="it-IT" sz="1800">
+                        <a:effectLst/>
+                        <a:latin typeface="Calibri" panose="020F0502020204030204" pitchFamily="34" charset="0"/>
+                        <a:ea typeface="Calibri" panose="020F0502020204030204" pitchFamily="34" charset="0"/>
+                        <a:cs typeface="Times New Roman" panose="02020603050405020304" pitchFamily="18" charset="0"/>
+                      </a:endParaRPr>
+                    </a:p>
+                  </a:txBody>
+                  <a:tcPr marL="23389" marR="23389" marT="0" marB="0"/>
+                </a:tc>
+                <a:tc>
+                  <a:txBody>
+                    <a:bodyPr/>
+                    <a:lstStyle/>
+                    <a:p>
+                      <a:pPr marL="457200">
+                        <a:lnSpc>
+                          <a:spcPct val="115000"/>
+                        </a:lnSpc>
+                        <a:spcAft>
+                          <a:spcPts val="0"/>
+                        </a:spcAft>
+                      </a:pPr>
+                      <a:r>
+                        <a:rPr lang="it-IT" sz="2000">
+                          <a:effectLst/>
+                        </a:rPr>
+                        <a:t> </a:t>
+                      </a:r>
+                      <a:endParaRPr lang="it-IT" sz="1800">
+                        <a:effectLst/>
+                        <a:latin typeface="Calibri" panose="020F0502020204030204" pitchFamily="34" charset="0"/>
+                        <a:ea typeface="Calibri" panose="020F0502020204030204" pitchFamily="34" charset="0"/>
+                        <a:cs typeface="Times New Roman" panose="02020603050405020304" pitchFamily="18" charset="0"/>
+                      </a:endParaRPr>
+                    </a:p>
+                  </a:txBody>
+                  <a:tcPr marL="23389" marR="23389" marT="0" marB="0"/>
+                </a:tc>
+              </a:tr>
+              <a:tr h="312222">
+                <a:tc>
+                  <a:txBody>
+                    <a:bodyPr/>
+                    <a:lstStyle/>
+                    <a:p>
+                      <a:pPr marL="457200">
+                        <a:lnSpc>
+                          <a:spcPct val="115000"/>
+                        </a:lnSpc>
+                        <a:spcAft>
+                          <a:spcPts val="0"/>
+                        </a:spcAft>
+                      </a:pPr>
+                      <a:r>
+                        <a:rPr lang="it-IT" sz="2000">
+                          <a:effectLst/>
+                        </a:rPr>
+                        <a:t>AereoDAO</a:t>
+                      </a:r>
+                      <a:endParaRPr lang="it-IT" sz="1800">
+                        <a:effectLst/>
+                        <a:latin typeface="Calibri" panose="020F0502020204030204" pitchFamily="34" charset="0"/>
+                        <a:ea typeface="Calibri" panose="020F0502020204030204" pitchFamily="34" charset="0"/>
+                        <a:cs typeface="Times New Roman" panose="02020603050405020304" pitchFamily="18" charset="0"/>
+                      </a:endParaRPr>
+                    </a:p>
+                  </a:txBody>
+                  <a:tcPr marL="23389" marR="23389" marT="0" marB="0"/>
+                </a:tc>
+                <a:tc>
+                  <a:txBody>
+                    <a:bodyPr/>
+                    <a:lstStyle/>
+                    <a:p>
+                      <a:pPr marL="457200">
+                        <a:lnSpc>
+                          <a:spcPct val="115000"/>
+                        </a:lnSpc>
+                        <a:spcAft>
+                          <a:spcPts val="0"/>
+                        </a:spcAft>
+                      </a:pPr>
+                      <a:r>
+                        <a:rPr lang="it-IT" sz="2000">
+                          <a:effectLst/>
+                        </a:rPr>
+                        <a:t>getCodPosti</a:t>
+                      </a:r>
+                      <a:endParaRPr lang="it-IT" sz="1800">
+                        <a:effectLst/>
+                        <a:latin typeface="Calibri" panose="020F0502020204030204" pitchFamily="34" charset="0"/>
+                        <a:ea typeface="Calibri" panose="020F0502020204030204" pitchFamily="34" charset="0"/>
+                        <a:cs typeface="Times New Roman" panose="02020603050405020304" pitchFamily="18" charset="0"/>
+                      </a:endParaRPr>
+                    </a:p>
+                  </a:txBody>
+                  <a:tcPr marL="23389" marR="23389" marT="0" marB="0"/>
+                </a:tc>
+                <a:tc>
+                  <a:txBody>
+                    <a:bodyPr/>
+                    <a:lstStyle/>
+                    <a:p>
+                      <a:pPr marL="457200">
+                        <a:lnSpc>
+                          <a:spcPct val="115000"/>
+                        </a:lnSpc>
+                        <a:spcAft>
+                          <a:spcPts val="0"/>
+                        </a:spcAft>
+                      </a:pPr>
+                      <a:r>
+                        <a:rPr lang="it-IT" sz="2000">
+                          <a:effectLst/>
+                        </a:rPr>
+                        <a:t>Negativo</a:t>
+                      </a:r>
+                      <a:endParaRPr lang="it-IT" sz="1800">
+                        <a:effectLst/>
+                        <a:latin typeface="Calibri" panose="020F0502020204030204" pitchFamily="34" charset="0"/>
+                        <a:ea typeface="Calibri" panose="020F0502020204030204" pitchFamily="34" charset="0"/>
+                        <a:cs typeface="Times New Roman" panose="02020603050405020304" pitchFamily="18" charset="0"/>
+                      </a:endParaRPr>
+                    </a:p>
+                  </a:txBody>
+                  <a:tcPr marL="23389" marR="23389" marT="0" marB="0"/>
+                </a:tc>
+                <a:tc>
+                  <a:txBody>
+                    <a:bodyPr/>
+                    <a:lstStyle/>
+                    <a:p>
+                      <a:pPr marL="457200">
+                        <a:lnSpc>
+                          <a:spcPct val="115000"/>
+                        </a:lnSpc>
+                        <a:spcAft>
+                          <a:spcPts val="0"/>
+                        </a:spcAft>
+                      </a:pPr>
+                      <a:r>
+                        <a:rPr lang="it-IT" sz="2000">
+                          <a:effectLst/>
+                        </a:rPr>
+                        <a:t> </a:t>
+                      </a:r>
+                      <a:endParaRPr lang="it-IT" sz="1800">
+                        <a:effectLst/>
+                        <a:latin typeface="Calibri" panose="020F0502020204030204" pitchFamily="34" charset="0"/>
+                        <a:ea typeface="Calibri" panose="020F0502020204030204" pitchFamily="34" charset="0"/>
+                        <a:cs typeface="Times New Roman" panose="02020603050405020304" pitchFamily="18" charset="0"/>
+                      </a:endParaRPr>
+                    </a:p>
+                  </a:txBody>
+                  <a:tcPr marL="23389" marR="23389" marT="0" marB="0"/>
+                </a:tc>
+              </a:tr>
+              <a:tr h="312222">
+                <a:tc>
+                  <a:txBody>
+                    <a:bodyPr/>
+                    <a:lstStyle/>
+                    <a:p>
+                      <a:pPr marL="457200">
+                        <a:lnSpc>
+                          <a:spcPct val="115000"/>
+                        </a:lnSpc>
+                        <a:spcAft>
+                          <a:spcPts val="0"/>
+                        </a:spcAft>
+                      </a:pPr>
+                      <a:r>
+                        <a:rPr lang="it-IT" sz="2000">
+                          <a:effectLst/>
+                        </a:rPr>
+                        <a:t>AereoDAO</a:t>
+                      </a:r>
+                      <a:endParaRPr lang="it-IT" sz="1800">
+                        <a:effectLst/>
+                        <a:latin typeface="Calibri" panose="020F0502020204030204" pitchFamily="34" charset="0"/>
+                        <a:ea typeface="Calibri" panose="020F0502020204030204" pitchFamily="34" charset="0"/>
+                        <a:cs typeface="Times New Roman" panose="02020603050405020304" pitchFamily="18" charset="0"/>
+                      </a:endParaRPr>
+                    </a:p>
+                  </a:txBody>
+                  <a:tcPr marL="23389" marR="23389" marT="0" marB="0"/>
+                </a:tc>
+                <a:tc>
+                  <a:txBody>
+                    <a:bodyPr/>
+                    <a:lstStyle/>
+                    <a:p>
+                      <a:pPr marL="457200">
+                        <a:lnSpc>
+                          <a:spcPct val="115000"/>
+                        </a:lnSpc>
+                        <a:spcAft>
+                          <a:spcPts val="0"/>
+                        </a:spcAft>
+                      </a:pPr>
+                      <a:r>
+                        <a:rPr lang="it-IT" sz="2000" dirty="0" err="1">
+                          <a:effectLst/>
+                        </a:rPr>
+                        <a:t>maxAereo</a:t>
+                      </a:r>
+                      <a:endParaRPr lang="it-IT" sz="1800" dirty="0">
+                        <a:effectLst/>
+                        <a:latin typeface="Calibri" panose="020F0502020204030204" pitchFamily="34" charset="0"/>
+                        <a:ea typeface="Calibri" panose="020F0502020204030204" pitchFamily="34" charset="0"/>
+                        <a:cs typeface="Times New Roman" panose="02020603050405020304" pitchFamily="18" charset="0"/>
+                      </a:endParaRPr>
+                    </a:p>
+                  </a:txBody>
+                  <a:tcPr marL="23389" marR="23389" marT="0" marB="0"/>
+                </a:tc>
+                <a:tc>
+                  <a:txBody>
+                    <a:bodyPr/>
+                    <a:lstStyle/>
+                    <a:p>
+                      <a:pPr marL="457200">
+                        <a:lnSpc>
+                          <a:spcPct val="115000"/>
+                        </a:lnSpc>
+                        <a:spcAft>
+                          <a:spcPts val="0"/>
+                        </a:spcAft>
+                      </a:pPr>
+                      <a:r>
+                        <a:rPr lang="it-IT" sz="2000">
+                          <a:effectLst/>
+                        </a:rPr>
+                        <a:t>Negativo</a:t>
+                      </a:r>
+                      <a:endParaRPr lang="it-IT" sz="1800">
+                        <a:effectLst/>
+                        <a:latin typeface="Calibri" panose="020F0502020204030204" pitchFamily="34" charset="0"/>
+                        <a:ea typeface="Calibri" panose="020F0502020204030204" pitchFamily="34" charset="0"/>
+                        <a:cs typeface="Times New Roman" panose="02020603050405020304" pitchFamily="18" charset="0"/>
+                      </a:endParaRPr>
+                    </a:p>
+                  </a:txBody>
+                  <a:tcPr marL="23389" marR="23389" marT="0" marB="0"/>
+                </a:tc>
+                <a:tc>
+                  <a:txBody>
+                    <a:bodyPr/>
+                    <a:lstStyle/>
+                    <a:p>
+                      <a:pPr marL="457200">
+                        <a:lnSpc>
+                          <a:spcPct val="115000"/>
+                        </a:lnSpc>
+                        <a:spcAft>
+                          <a:spcPts val="0"/>
+                        </a:spcAft>
+                      </a:pPr>
+                      <a:r>
+                        <a:rPr lang="it-IT" sz="2000">
+                          <a:effectLst/>
+                        </a:rPr>
+                        <a:t> </a:t>
+                      </a:r>
+                      <a:endParaRPr lang="it-IT" sz="1800">
+                        <a:effectLst/>
+                        <a:latin typeface="Calibri" panose="020F0502020204030204" pitchFamily="34" charset="0"/>
+                        <a:ea typeface="Calibri" panose="020F0502020204030204" pitchFamily="34" charset="0"/>
+                        <a:cs typeface="Times New Roman" panose="02020603050405020304" pitchFamily="18" charset="0"/>
+                      </a:endParaRPr>
+                    </a:p>
+                  </a:txBody>
+                  <a:tcPr marL="23389" marR="23389" marT="0" marB="0"/>
+                </a:tc>
+              </a:tr>
+              <a:tr h="312222">
+                <a:tc>
+                  <a:txBody>
+                    <a:bodyPr/>
+                    <a:lstStyle/>
+                    <a:p>
+                      <a:pPr marL="457200">
+                        <a:lnSpc>
+                          <a:spcPct val="115000"/>
+                        </a:lnSpc>
+                        <a:spcAft>
+                          <a:spcPts val="0"/>
+                        </a:spcAft>
+                      </a:pPr>
+                      <a:r>
+                        <a:rPr lang="it-IT" sz="2000">
+                          <a:effectLst/>
+                        </a:rPr>
+                        <a:t>AeroportoDAO</a:t>
+                      </a:r>
+                      <a:endParaRPr lang="it-IT" sz="1800">
+                        <a:effectLst/>
+                        <a:latin typeface="Calibri" panose="020F0502020204030204" pitchFamily="34" charset="0"/>
+                        <a:ea typeface="Calibri" panose="020F0502020204030204" pitchFamily="34" charset="0"/>
+                        <a:cs typeface="Times New Roman" panose="02020603050405020304" pitchFamily="18" charset="0"/>
+                      </a:endParaRPr>
+                    </a:p>
+                  </a:txBody>
+                  <a:tcPr marL="23389" marR="23389" marT="0" marB="0"/>
+                </a:tc>
+                <a:tc>
+                  <a:txBody>
+                    <a:bodyPr/>
+                    <a:lstStyle/>
+                    <a:p>
+                      <a:pPr marL="457200">
+                        <a:lnSpc>
+                          <a:spcPct val="115000"/>
+                        </a:lnSpc>
+                        <a:spcAft>
+                          <a:spcPts val="0"/>
+                        </a:spcAft>
+                      </a:pPr>
+                      <a:r>
+                        <a:rPr lang="it-IT" sz="2000" dirty="0" err="1">
+                          <a:effectLst/>
+                        </a:rPr>
+                        <a:t>doSave</a:t>
+                      </a:r>
+                      <a:endParaRPr lang="it-IT" sz="1800" dirty="0">
+                        <a:effectLst/>
+                        <a:latin typeface="Calibri" panose="020F0502020204030204" pitchFamily="34" charset="0"/>
+                        <a:ea typeface="Calibri" panose="020F0502020204030204" pitchFamily="34" charset="0"/>
+                        <a:cs typeface="Times New Roman" panose="02020603050405020304" pitchFamily="18" charset="0"/>
+                      </a:endParaRPr>
+                    </a:p>
+                  </a:txBody>
+                  <a:tcPr marL="23389" marR="23389" marT="0" marB="0"/>
+                </a:tc>
+                <a:tc>
+                  <a:txBody>
+                    <a:bodyPr/>
+                    <a:lstStyle/>
+                    <a:p>
+                      <a:pPr marL="457200">
+                        <a:lnSpc>
+                          <a:spcPct val="115000"/>
+                        </a:lnSpc>
+                        <a:spcAft>
+                          <a:spcPts val="0"/>
+                        </a:spcAft>
+                      </a:pPr>
+                      <a:r>
+                        <a:rPr lang="it-IT" sz="2000">
+                          <a:effectLst/>
+                        </a:rPr>
+                        <a:t>Negativo</a:t>
+                      </a:r>
+                      <a:endParaRPr lang="it-IT" sz="1800">
+                        <a:effectLst/>
+                        <a:latin typeface="Calibri" panose="020F0502020204030204" pitchFamily="34" charset="0"/>
+                        <a:ea typeface="Calibri" panose="020F0502020204030204" pitchFamily="34" charset="0"/>
+                        <a:cs typeface="Times New Roman" panose="02020603050405020304" pitchFamily="18" charset="0"/>
+                      </a:endParaRPr>
+                    </a:p>
+                  </a:txBody>
+                  <a:tcPr marL="23389" marR="23389" marT="0" marB="0"/>
+                </a:tc>
+                <a:tc>
+                  <a:txBody>
+                    <a:bodyPr/>
+                    <a:lstStyle/>
+                    <a:p>
+                      <a:pPr marL="457200">
+                        <a:lnSpc>
+                          <a:spcPct val="115000"/>
+                        </a:lnSpc>
+                        <a:spcAft>
+                          <a:spcPts val="0"/>
+                        </a:spcAft>
+                      </a:pPr>
+                      <a:r>
+                        <a:rPr lang="it-IT" sz="2000">
+                          <a:effectLst/>
+                        </a:rPr>
+                        <a:t> </a:t>
+                      </a:r>
+                      <a:endParaRPr lang="it-IT" sz="1800">
+                        <a:effectLst/>
+                        <a:latin typeface="Calibri" panose="020F0502020204030204" pitchFamily="34" charset="0"/>
+                        <a:ea typeface="Calibri" panose="020F0502020204030204" pitchFamily="34" charset="0"/>
+                        <a:cs typeface="Times New Roman" panose="02020603050405020304" pitchFamily="18" charset="0"/>
+                      </a:endParaRPr>
+                    </a:p>
+                  </a:txBody>
+                  <a:tcPr marL="23389" marR="23389" marT="0" marB="0"/>
+                </a:tc>
+              </a:tr>
+              <a:tr h="312222">
+                <a:tc>
+                  <a:txBody>
+                    <a:bodyPr/>
+                    <a:lstStyle/>
+                    <a:p>
+                      <a:pPr marL="457200">
+                        <a:lnSpc>
+                          <a:spcPct val="115000"/>
+                        </a:lnSpc>
+                        <a:spcAft>
+                          <a:spcPts val="0"/>
+                        </a:spcAft>
+                      </a:pPr>
+                      <a:r>
+                        <a:rPr lang="it-IT" sz="2000">
+                          <a:effectLst/>
+                        </a:rPr>
+                        <a:t>AeroportoDAO</a:t>
+                      </a:r>
+                      <a:endParaRPr lang="it-IT" sz="1800">
+                        <a:effectLst/>
+                        <a:latin typeface="Calibri" panose="020F0502020204030204" pitchFamily="34" charset="0"/>
+                        <a:ea typeface="Calibri" panose="020F0502020204030204" pitchFamily="34" charset="0"/>
+                        <a:cs typeface="Times New Roman" panose="02020603050405020304" pitchFamily="18" charset="0"/>
+                      </a:endParaRPr>
+                    </a:p>
+                  </a:txBody>
+                  <a:tcPr marL="23389" marR="23389" marT="0" marB="0"/>
+                </a:tc>
+                <a:tc>
+                  <a:txBody>
+                    <a:bodyPr/>
+                    <a:lstStyle/>
+                    <a:p>
+                      <a:pPr marL="457200">
+                        <a:lnSpc>
+                          <a:spcPct val="115000"/>
+                        </a:lnSpc>
+                        <a:spcAft>
+                          <a:spcPts val="0"/>
+                        </a:spcAft>
+                      </a:pPr>
+                      <a:r>
+                        <a:rPr lang="it-IT" sz="2000" dirty="0" err="1">
+                          <a:effectLst/>
+                        </a:rPr>
+                        <a:t>getAeroporto</a:t>
+                      </a:r>
+                      <a:endParaRPr lang="it-IT" sz="1800" dirty="0">
+                        <a:effectLst/>
+                        <a:latin typeface="Calibri" panose="020F0502020204030204" pitchFamily="34" charset="0"/>
+                        <a:ea typeface="Calibri" panose="020F0502020204030204" pitchFamily="34" charset="0"/>
+                        <a:cs typeface="Times New Roman" panose="02020603050405020304" pitchFamily="18" charset="0"/>
+                      </a:endParaRPr>
+                    </a:p>
+                  </a:txBody>
+                  <a:tcPr marL="23389" marR="23389" marT="0" marB="0"/>
+                </a:tc>
+                <a:tc>
+                  <a:txBody>
+                    <a:bodyPr/>
+                    <a:lstStyle/>
+                    <a:p>
+                      <a:pPr marL="457200">
+                        <a:lnSpc>
+                          <a:spcPct val="115000"/>
+                        </a:lnSpc>
+                        <a:spcAft>
+                          <a:spcPts val="0"/>
+                        </a:spcAft>
+                      </a:pPr>
+                      <a:r>
+                        <a:rPr lang="it-IT" sz="2000">
+                          <a:effectLst/>
+                        </a:rPr>
+                        <a:t>Negativo</a:t>
+                      </a:r>
+                      <a:endParaRPr lang="it-IT" sz="1800">
+                        <a:effectLst/>
+                        <a:latin typeface="Calibri" panose="020F0502020204030204" pitchFamily="34" charset="0"/>
+                        <a:ea typeface="Calibri" panose="020F0502020204030204" pitchFamily="34" charset="0"/>
+                        <a:cs typeface="Times New Roman" panose="02020603050405020304" pitchFamily="18" charset="0"/>
+                      </a:endParaRPr>
+                    </a:p>
+                  </a:txBody>
+                  <a:tcPr marL="23389" marR="23389" marT="0" marB="0"/>
+                </a:tc>
+                <a:tc>
+                  <a:txBody>
+                    <a:bodyPr/>
+                    <a:lstStyle/>
+                    <a:p>
+                      <a:pPr marL="457200">
+                        <a:lnSpc>
+                          <a:spcPct val="115000"/>
+                        </a:lnSpc>
+                        <a:spcAft>
+                          <a:spcPts val="0"/>
+                        </a:spcAft>
+                      </a:pPr>
+                      <a:r>
+                        <a:rPr lang="it-IT" sz="2000">
+                          <a:effectLst/>
+                        </a:rPr>
+                        <a:t> </a:t>
+                      </a:r>
+                      <a:endParaRPr lang="it-IT" sz="1800">
+                        <a:effectLst/>
+                        <a:latin typeface="Calibri" panose="020F0502020204030204" pitchFamily="34" charset="0"/>
+                        <a:ea typeface="Calibri" panose="020F0502020204030204" pitchFamily="34" charset="0"/>
+                        <a:cs typeface="Times New Roman" panose="02020603050405020304" pitchFamily="18" charset="0"/>
+                      </a:endParaRPr>
+                    </a:p>
+                  </a:txBody>
+                  <a:tcPr marL="23389" marR="23389" marT="0" marB="0"/>
+                </a:tc>
+              </a:tr>
+              <a:tr h="312222">
+                <a:tc>
+                  <a:txBody>
+                    <a:bodyPr/>
+                    <a:lstStyle/>
+                    <a:p>
+                      <a:pPr marL="457200">
+                        <a:lnSpc>
+                          <a:spcPct val="115000"/>
+                        </a:lnSpc>
+                        <a:spcAft>
+                          <a:spcPts val="0"/>
+                        </a:spcAft>
+                      </a:pPr>
+                      <a:r>
+                        <a:rPr lang="it-IT" sz="2000">
+                          <a:effectLst/>
+                        </a:rPr>
+                        <a:t>PrenotazioneDAO</a:t>
+                      </a:r>
+                      <a:endParaRPr lang="it-IT" sz="1800">
+                        <a:effectLst/>
+                        <a:latin typeface="Calibri" panose="020F0502020204030204" pitchFamily="34" charset="0"/>
+                        <a:ea typeface="Calibri" panose="020F0502020204030204" pitchFamily="34" charset="0"/>
+                        <a:cs typeface="Times New Roman" panose="02020603050405020304" pitchFamily="18" charset="0"/>
+                      </a:endParaRPr>
+                    </a:p>
+                  </a:txBody>
+                  <a:tcPr marL="23389" marR="23389" marT="0" marB="0"/>
+                </a:tc>
+                <a:tc>
+                  <a:txBody>
+                    <a:bodyPr/>
+                    <a:lstStyle/>
+                    <a:p>
+                      <a:pPr marL="457200">
+                        <a:lnSpc>
+                          <a:spcPct val="115000"/>
+                        </a:lnSpc>
+                        <a:spcAft>
+                          <a:spcPts val="0"/>
+                        </a:spcAft>
+                      </a:pPr>
+                      <a:r>
+                        <a:rPr lang="it-IT" sz="2000" dirty="0" err="1">
+                          <a:effectLst/>
+                        </a:rPr>
+                        <a:t>showAllReservation</a:t>
+                      </a:r>
+                      <a:endParaRPr lang="it-IT" sz="1800" dirty="0">
+                        <a:effectLst/>
+                        <a:latin typeface="Calibri" panose="020F0502020204030204" pitchFamily="34" charset="0"/>
+                        <a:ea typeface="Calibri" panose="020F0502020204030204" pitchFamily="34" charset="0"/>
+                        <a:cs typeface="Times New Roman" panose="02020603050405020304" pitchFamily="18" charset="0"/>
+                      </a:endParaRPr>
+                    </a:p>
+                  </a:txBody>
+                  <a:tcPr marL="23389" marR="23389" marT="0" marB="0"/>
+                </a:tc>
+                <a:tc>
+                  <a:txBody>
+                    <a:bodyPr/>
+                    <a:lstStyle/>
+                    <a:p>
+                      <a:pPr marL="457200">
+                        <a:lnSpc>
+                          <a:spcPct val="115000"/>
+                        </a:lnSpc>
+                        <a:spcAft>
+                          <a:spcPts val="0"/>
+                        </a:spcAft>
+                      </a:pPr>
+                      <a:r>
+                        <a:rPr lang="it-IT" sz="2000">
+                          <a:effectLst/>
+                        </a:rPr>
+                        <a:t>Negativo</a:t>
+                      </a:r>
+                      <a:endParaRPr lang="it-IT" sz="1800">
+                        <a:effectLst/>
+                        <a:latin typeface="Calibri" panose="020F0502020204030204" pitchFamily="34" charset="0"/>
+                        <a:ea typeface="Calibri" panose="020F0502020204030204" pitchFamily="34" charset="0"/>
+                        <a:cs typeface="Times New Roman" panose="02020603050405020304" pitchFamily="18" charset="0"/>
+                      </a:endParaRPr>
+                    </a:p>
+                  </a:txBody>
+                  <a:tcPr marL="23389" marR="23389" marT="0" marB="0"/>
+                </a:tc>
+                <a:tc>
+                  <a:txBody>
+                    <a:bodyPr/>
+                    <a:lstStyle/>
+                    <a:p>
+                      <a:pPr marL="457200">
+                        <a:lnSpc>
+                          <a:spcPct val="115000"/>
+                        </a:lnSpc>
+                        <a:spcAft>
+                          <a:spcPts val="0"/>
+                        </a:spcAft>
+                      </a:pPr>
+                      <a:r>
+                        <a:rPr lang="it-IT" sz="2000">
+                          <a:effectLst/>
+                        </a:rPr>
+                        <a:t> </a:t>
+                      </a:r>
+                      <a:endParaRPr lang="it-IT" sz="1800">
+                        <a:effectLst/>
+                        <a:latin typeface="Calibri" panose="020F0502020204030204" pitchFamily="34" charset="0"/>
+                        <a:ea typeface="Calibri" panose="020F0502020204030204" pitchFamily="34" charset="0"/>
+                        <a:cs typeface="Times New Roman" panose="02020603050405020304" pitchFamily="18" charset="0"/>
+                      </a:endParaRPr>
+                    </a:p>
+                  </a:txBody>
+                  <a:tcPr marL="23389" marR="23389" marT="0" marB="0"/>
+                </a:tc>
+              </a:tr>
+              <a:tr h="312222">
+                <a:tc>
+                  <a:txBody>
+                    <a:bodyPr/>
+                    <a:lstStyle/>
+                    <a:p>
+                      <a:pPr marL="457200">
+                        <a:lnSpc>
+                          <a:spcPct val="115000"/>
+                        </a:lnSpc>
+                        <a:spcAft>
+                          <a:spcPts val="0"/>
+                        </a:spcAft>
+                      </a:pPr>
+                      <a:r>
+                        <a:rPr lang="it-IT" sz="2000">
+                          <a:effectLst/>
+                        </a:rPr>
+                        <a:t>UtenteDAO</a:t>
+                      </a:r>
+                      <a:endParaRPr lang="it-IT" sz="1800">
+                        <a:effectLst/>
+                        <a:latin typeface="Calibri" panose="020F0502020204030204" pitchFamily="34" charset="0"/>
+                        <a:ea typeface="Calibri" panose="020F0502020204030204" pitchFamily="34" charset="0"/>
+                        <a:cs typeface="Times New Roman" panose="02020603050405020304" pitchFamily="18" charset="0"/>
+                      </a:endParaRPr>
+                    </a:p>
+                  </a:txBody>
+                  <a:tcPr marL="23389" marR="23389" marT="0" marB="0"/>
+                </a:tc>
+                <a:tc>
+                  <a:txBody>
+                    <a:bodyPr/>
+                    <a:lstStyle/>
+                    <a:p>
+                      <a:pPr marL="457200">
+                        <a:lnSpc>
+                          <a:spcPct val="115000"/>
+                        </a:lnSpc>
+                        <a:spcAft>
+                          <a:spcPts val="0"/>
+                        </a:spcAft>
+                      </a:pPr>
+                      <a:r>
+                        <a:rPr lang="it-IT" sz="2000" dirty="0" err="1">
+                          <a:effectLst/>
+                        </a:rPr>
+                        <a:t>doRetriveByKey</a:t>
+                      </a:r>
+                      <a:endParaRPr lang="it-IT" sz="1800" dirty="0">
+                        <a:effectLst/>
+                        <a:latin typeface="Calibri" panose="020F0502020204030204" pitchFamily="34" charset="0"/>
+                        <a:ea typeface="Calibri" panose="020F0502020204030204" pitchFamily="34" charset="0"/>
+                        <a:cs typeface="Times New Roman" panose="02020603050405020304" pitchFamily="18" charset="0"/>
+                      </a:endParaRPr>
+                    </a:p>
+                  </a:txBody>
+                  <a:tcPr marL="23389" marR="23389" marT="0" marB="0"/>
+                </a:tc>
+                <a:tc>
+                  <a:txBody>
+                    <a:bodyPr/>
+                    <a:lstStyle/>
+                    <a:p>
+                      <a:pPr marL="457200">
+                        <a:lnSpc>
+                          <a:spcPct val="115000"/>
+                        </a:lnSpc>
+                        <a:spcAft>
+                          <a:spcPts val="0"/>
+                        </a:spcAft>
+                      </a:pPr>
+                      <a:r>
+                        <a:rPr lang="it-IT" sz="2000">
+                          <a:effectLst/>
+                        </a:rPr>
+                        <a:t>Negativo</a:t>
+                      </a:r>
+                      <a:endParaRPr lang="it-IT" sz="1800">
+                        <a:effectLst/>
+                        <a:latin typeface="Calibri" panose="020F0502020204030204" pitchFamily="34" charset="0"/>
+                        <a:ea typeface="Calibri" panose="020F0502020204030204" pitchFamily="34" charset="0"/>
+                        <a:cs typeface="Times New Roman" panose="02020603050405020304" pitchFamily="18" charset="0"/>
+                      </a:endParaRPr>
+                    </a:p>
+                  </a:txBody>
+                  <a:tcPr marL="23389" marR="23389" marT="0" marB="0"/>
+                </a:tc>
+                <a:tc>
+                  <a:txBody>
+                    <a:bodyPr/>
+                    <a:lstStyle/>
+                    <a:p>
+                      <a:pPr marL="457200">
+                        <a:lnSpc>
+                          <a:spcPct val="115000"/>
+                        </a:lnSpc>
+                        <a:spcAft>
+                          <a:spcPts val="0"/>
+                        </a:spcAft>
+                      </a:pPr>
+                      <a:r>
+                        <a:rPr lang="it-IT" sz="2000" dirty="0">
+                          <a:effectLst/>
+                        </a:rPr>
+                        <a:t> </a:t>
+                      </a:r>
+                      <a:endParaRPr lang="it-IT" sz="1800" dirty="0">
+                        <a:effectLst/>
+                        <a:latin typeface="Calibri" panose="020F0502020204030204" pitchFamily="34" charset="0"/>
+                        <a:ea typeface="Calibri" panose="020F0502020204030204" pitchFamily="34" charset="0"/>
+                        <a:cs typeface="Times New Roman" panose="02020603050405020304" pitchFamily="18" charset="0"/>
+                      </a:endParaRPr>
+                    </a:p>
+                  </a:txBody>
+                  <a:tcPr marL="23389" marR="23389" marT="0" marB="0"/>
+                </a:tc>
+              </a:tr>
+              <a:tr h="312222">
+                <a:tc>
+                  <a:txBody>
+                    <a:bodyPr/>
+                    <a:lstStyle/>
+                    <a:p>
+                      <a:pPr marL="457200">
+                        <a:lnSpc>
+                          <a:spcPct val="115000"/>
+                        </a:lnSpc>
+                        <a:spcAft>
+                          <a:spcPts val="0"/>
+                        </a:spcAft>
+                      </a:pPr>
+                      <a:r>
+                        <a:rPr lang="it-IT" sz="2000">
+                          <a:effectLst/>
+                        </a:rPr>
+                        <a:t>UtenteDAO</a:t>
+                      </a:r>
+                      <a:endParaRPr lang="it-IT" sz="1800">
+                        <a:effectLst/>
+                        <a:latin typeface="Calibri" panose="020F0502020204030204" pitchFamily="34" charset="0"/>
+                        <a:ea typeface="Calibri" panose="020F0502020204030204" pitchFamily="34" charset="0"/>
+                        <a:cs typeface="Times New Roman" panose="02020603050405020304" pitchFamily="18" charset="0"/>
+                      </a:endParaRPr>
+                    </a:p>
+                  </a:txBody>
+                  <a:tcPr marL="23389" marR="23389" marT="0" marB="0"/>
+                </a:tc>
+                <a:tc>
+                  <a:txBody>
+                    <a:bodyPr/>
+                    <a:lstStyle/>
+                    <a:p>
+                      <a:pPr marL="457200">
+                        <a:lnSpc>
+                          <a:spcPct val="115000"/>
+                        </a:lnSpc>
+                        <a:spcAft>
+                          <a:spcPts val="0"/>
+                        </a:spcAft>
+                      </a:pPr>
+                      <a:r>
+                        <a:rPr lang="it-IT" sz="2000" dirty="0" err="1">
+                          <a:effectLst/>
+                        </a:rPr>
+                        <a:t>doSave</a:t>
+                      </a:r>
+                      <a:endParaRPr lang="it-IT" sz="1800" dirty="0">
+                        <a:effectLst/>
+                        <a:latin typeface="Calibri" panose="020F0502020204030204" pitchFamily="34" charset="0"/>
+                        <a:ea typeface="Calibri" panose="020F0502020204030204" pitchFamily="34" charset="0"/>
+                        <a:cs typeface="Times New Roman" panose="02020603050405020304" pitchFamily="18" charset="0"/>
+                      </a:endParaRPr>
+                    </a:p>
+                  </a:txBody>
+                  <a:tcPr marL="23389" marR="23389" marT="0" marB="0"/>
+                </a:tc>
+                <a:tc>
+                  <a:txBody>
+                    <a:bodyPr/>
+                    <a:lstStyle/>
+                    <a:p>
+                      <a:pPr marL="457200">
+                        <a:lnSpc>
+                          <a:spcPct val="115000"/>
+                        </a:lnSpc>
+                        <a:spcAft>
+                          <a:spcPts val="0"/>
+                        </a:spcAft>
+                      </a:pPr>
+                      <a:r>
+                        <a:rPr lang="it-IT" sz="2000">
+                          <a:effectLst/>
+                        </a:rPr>
+                        <a:t>Negativo</a:t>
+                      </a:r>
+                      <a:endParaRPr lang="it-IT" sz="1800">
+                        <a:effectLst/>
+                        <a:latin typeface="Calibri" panose="020F0502020204030204" pitchFamily="34" charset="0"/>
+                        <a:ea typeface="Calibri" panose="020F0502020204030204" pitchFamily="34" charset="0"/>
+                        <a:cs typeface="Times New Roman" panose="02020603050405020304" pitchFamily="18" charset="0"/>
+                      </a:endParaRPr>
+                    </a:p>
+                  </a:txBody>
+                  <a:tcPr marL="23389" marR="23389" marT="0" marB="0"/>
+                </a:tc>
+                <a:tc>
+                  <a:txBody>
+                    <a:bodyPr/>
+                    <a:lstStyle/>
+                    <a:p>
+                      <a:pPr marL="457200">
+                        <a:lnSpc>
+                          <a:spcPct val="115000"/>
+                        </a:lnSpc>
+                        <a:spcAft>
+                          <a:spcPts val="0"/>
+                        </a:spcAft>
+                      </a:pPr>
+                      <a:r>
+                        <a:rPr lang="it-IT" sz="2000">
+                          <a:effectLst/>
+                        </a:rPr>
+                        <a:t> </a:t>
+                      </a:r>
+                      <a:endParaRPr lang="it-IT" sz="1800">
+                        <a:effectLst/>
+                        <a:latin typeface="Calibri" panose="020F0502020204030204" pitchFamily="34" charset="0"/>
+                        <a:ea typeface="Calibri" panose="020F0502020204030204" pitchFamily="34" charset="0"/>
+                        <a:cs typeface="Times New Roman" panose="02020603050405020304" pitchFamily="18" charset="0"/>
+                      </a:endParaRPr>
+                    </a:p>
+                  </a:txBody>
+                  <a:tcPr marL="23389" marR="23389" marT="0" marB="0"/>
+                </a:tc>
+              </a:tr>
+              <a:tr h="312222">
+                <a:tc>
+                  <a:txBody>
+                    <a:bodyPr/>
+                    <a:lstStyle/>
+                    <a:p>
+                      <a:pPr marL="457200">
+                        <a:lnSpc>
+                          <a:spcPct val="115000"/>
+                        </a:lnSpc>
+                        <a:spcAft>
+                          <a:spcPts val="0"/>
+                        </a:spcAft>
+                      </a:pPr>
+                      <a:r>
+                        <a:rPr lang="it-IT" sz="2000">
+                          <a:effectLst/>
+                        </a:rPr>
+                        <a:t>VoloDAO</a:t>
+                      </a:r>
+                      <a:endParaRPr lang="it-IT" sz="1800">
+                        <a:effectLst/>
+                        <a:latin typeface="Calibri" panose="020F0502020204030204" pitchFamily="34" charset="0"/>
+                        <a:ea typeface="Calibri" panose="020F0502020204030204" pitchFamily="34" charset="0"/>
+                        <a:cs typeface="Times New Roman" panose="02020603050405020304" pitchFamily="18" charset="0"/>
+                      </a:endParaRPr>
+                    </a:p>
+                  </a:txBody>
+                  <a:tcPr marL="23389" marR="23389" marT="0" marB="0"/>
+                </a:tc>
+                <a:tc>
+                  <a:txBody>
+                    <a:bodyPr/>
+                    <a:lstStyle/>
+                    <a:p>
+                      <a:pPr marL="457200">
+                        <a:lnSpc>
+                          <a:spcPct val="115000"/>
+                        </a:lnSpc>
+                        <a:spcAft>
+                          <a:spcPts val="0"/>
+                        </a:spcAft>
+                      </a:pPr>
+                      <a:r>
+                        <a:rPr lang="it-IT" sz="2000" dirty="0" err="1">
+                          <a:effectLst/>
+                        </a:rPr>
+                        <a:t>doSave</a:t>
+                      </a:r>
+                      <a:endParaRPr lang="it-IT" sz="1800" dirty="0">
+                        <a:effectLst/>
+                        <a:latin typeface="Calibri" panose="020F0502020204030204" pitchFamily="34" charset="0"/>
+                        <a:ea typeface="Calibri" panose="020F0502020204030204" pitchFamily="34" charset="0"/>
+                        <a:cs typeface="Times New Roman" panose="02020603050405020304" pitchFamily="18" charset="0"/>
+                      </a:endParaRPr>
+                    </a:p>
+                  </a:txBody>
+                  <a:tcPr marL="23389" marR="23389" marT="0" marB="0"/>
+                </a:tc>
+                <a:tc>
+                  <a:txBody>
+                    <a:bodyPr/>
+                    <a:lstStyle/>
+                    <a:p>
+                      <a:pPr marL="457200">
+                        <a:lnSpc>
+                          <a:spcPct val="115000"/>
+                        </a:lnSpc>
+                        <a:spcAft>
+                          <a:spcPts val="0"/>
+                        </a:spcAft>
+                      </a:pPr>
+                      <a:r>
+                        <a:rPr lang="it-IT" sz="2000">
+                          <a:effectLst/>
+                        </a:rPr>
+                        <a:t>Negativo</a:t>
+                      </a:r>
+                      <a:endParaRPr lang="it-IT" sz="1800">
+                        <a:effectLst/>
+                        <a:latin typeface="Calibri" panose="020F0502020204030204" pitchFamily="34" charset="0"/>
+                        <a:ea typeface="Calibri" panose="020F0502020204030204" pitchFamily="34" charset="0"/>
+                        <a:cs typeface="Times New Roman" panose="02020603050405020304" pitchFamily="18" charset="0"/>
+                      </a:endParaRPr>
+                    </a:p>
+                  </a:txBody>
+                  <a:tcPr marL="23389" marR="23389" marT="0" marB="0"/>
+                </a:tc>
+                <a:tc>
+                  <a:txBody>
+                    <a:bodyPr/>
+                    <a:lstStyle/>
+                    <a:p>
+                      <a:pPr marL="457200">
+                        <a:lnSpc>
+                          <a:spcPct val="115000"/>
+                        </a:lnSpc>
+                        <a:spcAft>
+                          <a:spcPts val="0"/>
+                        </a:spcAft>
+                      </a:pPr>
+                      <a:r>
+                        <a:rPr lang="it-IT" sz="2000">
+                          <a:effectLst/>
+                        </a:rPr>
+                        <a:t> </a:t>
+                      </a:r>
+                      <a:endParaRPr lang="it-IT" sz="1800">
+                        <a:effectLst/>
+                        <a:latin typeface="Calibri" panose="020F0502020204030204" pitchFamily="34" charset="0"/>
+                        <a:ea typeface="Calibri" panose="020F0502020204030204" pitchFamily="34" charset="0"/>
+                        <a:cs typeface="Times New Roman" panose="02020603050405020304" pitchFamily="18" charset="0"/>
+                      </a:endParaRPr>
+                    </a:p>
+                  </a:txBody>
+                  <a:tcPr marL="23389" marR="23389" marT="0" marB="0"/>
+                </a:tc>
+              </a:tr>
+              <a:tr h="312222">
+                <a:tc>
+                  <a:txBody>
+                    <a:bodyPr/>
+                    <a:lstStyle/>
+                    <a:p>
+                      <a:pPr marL="457200">
+                        <a:lnSpc>
+                          <a:spcPct val="115000"/>
+                        </a:lnSpc>
+                        <a:spcAft>
+                          <a:spcPts val="0"/>
+                        </a:spcAft>
+                      </a:pPr>
+                      <a:r>
+                        <a:rPr lang="it-IT" sz="2000">
+                          <a:effectLst/>
+                        </a:rPr>
+                        <a:t>VoloDAO</a:t>
+                      </a:r>
+                      <a:endParaRPr lang="it-IT" sz="1800">
+                        <a:effectLst/>
+                        <a:latin typeface="Calibri" panose="020F0502020204030204" pitchFamily="34" charset="0"/>
+                        <a:ea typeface="Calibri" panose="020F0502020204030204" pitchFamily="34" charset="0"/>
+                        <a:cs typeface="Times New Roman" panose="02020603050405020304" pitchFamily="18" charset="0"/>
+                      </a:endParaRPr>
+                    </a:p>
+                  </a:txBody>
+                  <a:tcPr marL="23389" marR="23389" marT="0" marB="0"/>
+                </a:tc>
+                <a:tc>
+                  <a:txBody>
+                    <a:bodyPr/>
+                    <a:lstStyle/>
+                    <a:p>
+                      <a:pPr marL="457200">
+                        <a:lnSpc>
+                          <a:spcPct val="115000"/>
+                        </a:lnSpc>
+                        <a:spcAft>
+                          <a:spcPts val="0"/>
+                        </a:spcAft>
+                      </a:pPr>
+                      <a:r>
+                        <a:rPr lang="it-IT" sz="2000" dirty="0" err="1">
+                          <a:effectLst/>
+                        </a:rPr>
+                        <a:t>showAll</a:t>
+                      </a:r>
+                      <a:endParaRPr lang="it-IT" sz="1800" dirty="0">
+                        <a:effectLst/>
+                        <a:latin typeface="Calibri" panose="020F0502020204030204" pitchFamily="34" charset="0"/>
+                        <a:ea typeface="Calibri" panose="020F0502020204030204" pitchFamily="34" charset="0"/>
+                        <a:cs typeface="Times New Roman" panose="02020603050405020304" pitchFamily="18" charset="0"/>
+                      </a:endParaRPr>
+                    </a:p>
+                  </a:txBody>
+                  <a:tcPr marL="23389" marR="23389" marT="0" marB="0"/>
+                </a:tc>
+                <a:tc>
+                  <a:txBody>
+                    <a:bodyPr/>
+                    <a:lstStyle/>
+                    <a:p>
+                      <a:pPr marL="457200">
+                        <a:lnSpc>
+                          <a:spcPct val="115000"/>
+                        </a:lnSpc>
+                        <a:spcAft>
+                          <a:spcPts val="0"/>
+                        </a:spcAft>
+                      </a:pPr>
+                      <a:r>
+                        <a:rPr lang="it-IT" sz="2000">
+                          <a:effectLst/>
+                        </a:rPr>
+                        <a:t>Negativo</a:t>
+                      </a:r>
+                      <a:endParaRPr lang="it-IT" sz="1800">
+                        <a:effectLst/>
+                        <a:latin typeface="Calibri" panose="020F0502020204030204" pitchFamily="34" charset="0"/>
+                        <a:ea typeface="Calibri" panose="020F0502020204030204" pitchFamily="34" charset="0"/>
+                        <a:cs typeface="Times New Roman" panose="02020603050405020304" pitchFamily="18" charset="0"/>
+                      </a:endParaRPr>
+                    </a:p>
+                  </a:txBody>
+                  <a:tcPr marL="23389" marR="23389" marT="0" marB="0"/>
+                </a:tc>
+                <a:tc>
+                  <a:txBody>
+                    <a:bodyPr/>
+                    <a:lstStyle/>
+                    <a:p>
+                      <a:pPr marL="457200">
+                        <a:lnSpc>
+                          <a:spcPct val="115000"/>
+                        </a:lnSpc>
+                        <a:spcAft>
+                          <a:spcPts val="0"/>
+                        </a:spcAft>
+                      </a:pPr>
+                      <a:r>
+                        <a:rPr lang="it-IT" sz="2000">
+                          <a:effectLst/>
+                        </a:rPr>
+                        <a:t> </a:t>
+                      </a:r>
+                      <a:endParaRPr lang="it-IT" sz="1800">
+                        <a:effectLst/>
+                        <a:latin typeface="Calibri" panose="020F0502020204030204" pitchFamily="34" charset="0"/>
+                        <a:ea typeface="Calibri" panose="020F0502020204030204" pitchFamily="34" charset="0"/>
+                        <a:cs typeface="Times New Roman" panose="02020603050405020304" pitchFamily="18" charset="0"/>
+                      </a:endParaRPr>
+                    </a:p>
+                  </a:txBody>
+                  <a:tcPr marL="23389" marR="23389" marT="0" marB="0"/>
+                </a:tc>
+              </a:tr>
+              <a:tr h="312222">
+                <a:tc>
+                  <a:txBody>
+                    <a:bodyPr/>
+                    <a:lstStyle/>
+                    <a:p>
+                      <a:pPr marL="457200">
+                        <a:lnSpc>
+                          <a:spcPct val="115000"/>
+                        </a:lnSpc>
+                        <a:spcAft>
+                          <a:spcPts val="0"/>
+                        </a:spcAft>
+                      </a:pPr>
+                      <a:r>
+                        <a:rPr lang="it-IT" sz="2000">
+                          <a:effectLst/>
+                        </a:rPr>
+                        <a:t>VoloDAO</a:t>
+                      </a:r>
+                      <a:endParaRPr lang="it-IT" sz="1800">
+                        <a:effectLst/>
+                        <a:latin typeface="Calibri" panose="020F0502020204030204" pitchFamily="34" charset="0"/>
+                        <a:ea typeface="Calibri" panose="020F0502020204030204" pitchFamily="34" charset="0"/>
+                        <a:cs typeface="Times New Roman" panose="02020603050405020304" pitchFamily="18" charset="0"/>
+                      </a:endParaRPr>
+                    </a:p>
+                  </a:txBody>
+                  <a:tcPr marL="23389" marR="23389" marT="0" marB="0"/>
+                </a:tc>
+                <a:tc>
+                  <a:txBody>
+                    <a:bodyPr/>
+                    <a:lstStyle/>
+                    <a:p>
+                      <a:pPr marL="457200">
+                        <a:lnSpc>
+                          <a:spcPct val="115000"/>
+                        </a:lnSpc>
+                        <a:spcAft>
+                          <a:spcPts val="0"/>
+                        </a:spcAft>
+                      </a:pPr>
+                      <a:r>
+                        <a:rPr lang="it-IT" sz="2000" dirty="0" err="1">
+                          <a:effectLst/>
+                        </a:rPr>
+                        <a:t>doRettriveByAeroportiEDataSolaAndata</a:t>
+                      </a:r>
+                      <a:endParaRPr lang="it-IT" sz="1800" dirty="0">
+                        <a:effectLst/>
+                        <a:latin typeface="Calibri" panose="020F0502020204030204" pitchFamily="34" charset="0"/>
+                        <a:ea typeface="Calibri" panose="020F0502020204030204" pitchFamily="34" charset="0"/>
+                        <a:cs typeface="Times New Roman" panose="02020603050405020304" pitchFamily="18" charset="0"/>
+                      </a:endParaRPr>
+                    </a:p>
+                  </a:txBody>
+                  <a:tcPr marL="23389" marR="23389" marT="0" marB="0"/>
+                </a:tc>
+                <a:tc>
+                  <a:txBody>
+                    <a:bodyPr/>
+                    <a:lstStyle/>
+                    <a:p>
+                      <a:pPr marL="457200">
+                        <a:lnSpc>
+                          <a:spcPct val="115000"/>
+                        </a:lnSpc>
+                        <a:spcAft>
+                          <a:spcPts val="0"/>
+                        </a:spcAft>
+                      </a:pPr>
+                      <a:r>
+                        <a:rPr lang="it-IT" sz="2000">
+                          <a:effectLst/>
+                        </a:rPr>
+                        <a:t>Negativo</a:t>
+                      </a:r>
+                      <a:endParaRPr lang="it-IT" sz="1800">
+                        <a:effectLst/>
+                        <a:latin typeface="Calibri" panose="020F0502020204030204" pitchFamily="34" charset="0"/>
+                        <a:ea typeface="Calibri" panose="020F0502020204030204" pitchFamily="34" charset="0"/>
+                        <a:cs typeface="Times New Roman" panose="02020603050405020304" pitchFamily="18" charset="0"/>
+                      </a:endParaRPr>
+                    </a:p>
+                  </a:txBody>
+                  <a:tcPr marL="23389" marR="23389" marT="0" marB="0"/>
+                </a:tc>
+                <a:tc>
+                  <a:txBody>
+                    <a:bodyPr/>
+                    <a:lstStyle/>
+                    <a:p>
+                      <a:pPr marL="457200">
+                        <a:lnSpc>
+                          <a:spcPct val="115000"/>
+                        </a:lnSpc>
+                        <a:spcAft>
+                          <a:spcPts val="0"/>
+                        </a:spcAft>
+                      </a:pPr>
+                      <a:r>
+                        <a:rPr lang="it-IT" sz="2000">
+                          <a:effectLst/>
+                        </a:rPr>
+                        <a:t> </a:t>
+                      </a:r>
+                      <a:endParaRPr lang="it-IT" sz="1800">
+                        <a:effectLst/>
+                        <a:latin typeface="Calibri" panose="020F0502020204030204" pitchFamily="34" charset="0"/>
+                        <a:ea typeface="Calibri" panose="020F0502020204030204" pitchFamily="34" charset="0"/>
+                        <a:cs typeface="Times New Roman" panose="02020603050405020304" pitchFamily="18" charset="0"/>
+                      </a:endParaRPr>
+                    </a:p>
+                  </a:txBody>
+                  <a:tcPr marL="23389" marR="23389" marT="0" marB="0"/>
+                </a:tc>
+              </a:tr>
+              <a:tr h="312222">
+                <a:tc>
+                  <a:txBody>
+                    <a:bodyPr/>
+                    <a:lstStyle/>
+                    <a:p>
+                      <a:pPr marL="457200">
+                        <a:lnSpc>
+                          <a:spcPct val="115000"/>
+                        </a:lnSpc>
+                        <a:spcAft>
+                          <a:spcPts val="0"/>
+                        </a:spcAft>
+                      </a:pPr>
+                      <a:r>
+                        <a:rPr lang="it-IT" sz="2000">
+                          <a:effectLst/>
+                        </a:rPr>
+                        <a:t>VoloDAO</a:t>
+                      </a:r>
+                      <a:endParaRPr lang="it-IT" sz="1800">
+                        <a:effectLst/>
+                        <a:latin typeface="Calibri" panose="020F0502020204030204" pitchFamily="34" charset="0"/>
+                        <a:ea typeface="Calibri" panose="020F0502020204030204" pitchFamily="34" charset="0"/>
+                        <a:cs typeface="Times New Roman" panose="02020603050405020304" pitchFamily="18" charset="0"/>
+                      </a:endParaRPr>
+                    </a:p>
+                  </a:txBody>
+                  <a:tcPr marL="23389" marR="23389" marT="0" marB="0"/>
+                </a:tc>
+                <a:tc>
+                  <a:txBody>
+                    <a:bodyPr/>
+                    <a:lstStyle/>
+                    <a:p>
+                      <a:pPr marL="457200">
+                        <a:lnSpc>
+                          <a:spcPct val="115000"/>
+                        </a:lnSpc>
+                        <a:spcAft>
+                          <a:spcPts val="0"/>
+                        </a:spcAft>
+                      </a:pPr>
+                      <a:r>
+                        <a:rPr lang="it-IT" sz="2000" dirty="0" err="1">
+                          <a:effectLst/>
+                        </a:rPr>
+                        <a:t>doRetriveByCod</a:t>
+                      </a:r>
+                      <a:endParaRPr lang="it-IT" sz="1800" dirty="0">
+                        <a:effectLst/>
+                        <a:latin typeface="Calibri" panose="020F0502020204030204" pitchFamily="34" charset="0"/>
+                        <a:ea typeface="Calibri" panose="020F0502020204030204" pitchFamily="34" charset="0"/>
+                        <a:cs typeface="Times New Roman" panose="02020603050405020304" pitchFamily="18" charset="0"/>
+                      </a:endParaRPr>
+                    </a:p>
+                  </a:txBody>
+                  <a:tcPr marL="23389" marR="23389" marT="0" marB="0"/>
+                </a:tc>
+                <a:tc>
+                  <a:txBody>
+                    <a:bodyPr/>
+                    <a:lstStyle/>
+                    <a:p>
+                      <a:pPr marL="457200">
+                        <a:lnSpc>
+                          <a:spcPct val="115000"/>
+                        </a:lnSpc>
+                        <a:spcAft>
+                          <a:spcPts val="0"/>
+                        </a:spcAft>
+                      </a:pPr>
+                      <a:r>
+                        <a:rPr lang="it-IT" sz="2000">
+                          <a:effectLst/>
+                        </a:rPr>
+                        <a:t>Negativo</a:t>
+                      </a:r>
+                      <a:endParaRPr lang="it-IT" sz="1800">
+                        <a:effectLst/>
+                        <a:latin typeface="Calibri" panose="020F0502020204030204" pitchFamily="34" charset="0"/>
+                        <a:ea typeface="Calibri" panose="020F0502020204030204" pitchFamily="34" charset="0"/>
+                        <a:cs typeface="Times New Roman" panose="02020603050405020304" pitchFamily="18" charset="0"/>
+                      </a:endParaRPr>
+                    </a:p>
+                  </a:txBody>
+                  <a:tcPr marL="23389" marR="23389" marT="0" marB="0"/>
+                </a:tc>
+                <a:tc>
+                  <a:txBody>
+                    <a:bodyPr/>
+                    <a:lstStyle/>
+                    <a:p>
+                      <a:pPr marL="457200">
+                        <a:lnSpc>
+                          <a:spcPct val="115000"/>
+                        </a:lnSpc>
+                        <a:spcAft>
+                          <a:spcPts val="0"/>
+                        </a:spcAft>
+                      </a:pPr>
+                      <a:r>
+                        <a:rPr lang="it-IT" sz="2000">
+                          <a:effectLst/>
+                        </a:rPr>
+                        <a:t> </a:t>
+                      </a:r>
+                      <a:endParaRPr lang="it-IT" sz="1800">
+                        <a:effectLst/>
+                        <a:latin typeface="Calibri" panose="020F0502020204030204" pitchFamily="34" charset="0"/>
+                        <a:ea typeface="Calibri" panose="020F0502020204030204" pitchFamily="34" charset="0"/>
+                        <a:cs typeface="Times New Roman" panose="02020603050405020304" pitchFamily="18" charset="0"/>
+                      </a:endParaRPr>
+                    </a:p>
+                  </a:txBody>
+                  <a:tcPr marL="23389" marR="23389" marT="0" marB="0"/>
+                </a:tc>
+              </a:tr>
+              <a:tr h="312222">
+                <a:tc>
+                  <a:txBody>
+                    <a:bodyPr/>
+                    <a:lstStyle/>
+                    <a:p>
+                      <a:pPr marL="457200">
+                        <a:lnSpc>
+                          <a:spcPct val="115000"/>
+                        </a:lnSpc>
+                        <a:spcAft>
+                          <a:spcPts val="0"/>
+                        </a:spcAft>
+                      </a:pPr>
+                      <a:r>
+                        <a:rPr lang="it-IT" sz="2000">
+                          <a:effectLst/>
+                        </a:rPr>
+                        <a:t>VoloDAO</a:t>
+                      </a:r>
+                      <a:endParaRPr lang="it-IT" sz="1800">
+                        <a:effectLst/>
+                        <a:latin typeface="Calibri" panose="020F0502020204030204" pitchFamily="34" charset="0"/>
+                        <a:ea typeface="Calibri" panose="020F0502020204030204" pitchFamily="34" charset="0"/>
+                        <a:cs typeface="Times New Roman" panose="02020603050405020304" pitchFamily="18" charset="0"/>
+                      </a:endParaRPr>
+                    </a:p>
+                  </a:txBody>
+                  <a:tcPr marL="23389" marR="23389" marT="0" marB="0"/>
+                </a:tc>
+                <a:tc>
+                  <a:txBody>
+                    <a:bodyPr/>
+                    <a:lstStyle/>
+                    <a:p>
+                      <a:pPr marL="457200">
+                        <a:lnSpc>
+                          <a:spcPct val="115000"/>
+                        </a:lnSpc>
+                        <a:spcAft>
+                          <a:spcPts val="0"/>
+                        </a:spcAft>
+                      </a:pPr>
+                      <a:r>
+                        <a:rPr lang="it-IT" sz="2000">
+                          <a:effectLst/>
+                        </a:rPr>
+                        <a:t>isLowCost</a:t>
+                      </a:r>
+                      <a:endParaRPr lang="it-IT" sz="1800">
+                        <a:effectLst/>
+                        <a:latin typeface="Calibri" panose="020F0502020204030204" pitchFamily="34" charset="0"/>
+                        <a:ea typeface="Calibri" panose="020F0502020204030204" pitchFamily="34" charset="0"/>
+                        <a:cs typeface="Times New Roman" panose="02020603050405020304" pitchFamily="18" charset="0"/>
+                      </a:endParaRPr>
+                    </a:p>
+                  </a:txBody>
+                  <a:tcPr marL="23389" marR="23389" marT="0" marB="0"/>
+                </a:tc>
+                <a:tc>
+                  <a:txBody>
+                    <a:bodyPr/>
+                    <a:lstStyle/>
+                    <a:p>
+                      <a:pPr marL="457200">
+                        <a:lnSpc>
+                          <a:spcPct val="115000"/>
+                        </a:lnSpc>
+                        <a:spcAft>
+                          <a:spcPts val="0"/>
+                        </a:spcAft>
+                      </a:pPr>
+                      <a:r>
+                        <a:rPr lang="it-IT" sz="2000" dirty="0">
+                          <a:effectLst/>
+                        </a:rPr>
+                        <a:t>Negativo</a:t>
+                      </a:r>
+                      <a:endParaRPr lang="it-IT" sz="1800" dirty="0">
+                        <a:effectLst/>
+                        <a:latin typeface="Calibri" panose="020F0502020204030204" pitchFamily="34" charset="0"/>
+                        <a:ea typeface="Calibri" panose="020F0502020204030204" pitchFamily="34" charset="0"/>
+                        <a:cs typeface="Times New Roman" panose="02020603050405020304" pitchFamily="18" charset="0"/>
+                      </a:endParaRPr>
+                    </a:p>
+                  </a:txBody>
+                  <a:tcPr marL="23389" marR="23389" marT="0" marB="0"/>
+                </a:tc>
+                <a:tc>
+                  <a:txBody>
+                    <a:bodyPr/>
+                    <a:lstStyle/>
+                    <a:p>
+                      <a:pPr marL="457200">
+                        <a:lnSpc>
+                          <a:spcPct val="115000"/>
+                        </a:lnSpc>
+                        <a:spcAft>
+                          <a:spcPts val="0"/>
+                        </a:spcAft>
+                      </a:pPr>
+                      <a:r>
+                        <a:rPr lang="it-IT" sz="2000">
+                          <a:effectLst/>
+                        </a:rPr>
+                        <a:t> </a:t>
+                      </a:r>
+                      <a:endParaRPr lang="it-IT" sz="1800">
+                        <a:effectLst/>
+                        <a:latin typeface="Calibri" panose="020F0502020204030204" pitchFamily="34" charset="0"/>
+                        <a:ea typeface="Calibri" panose="020F0502020204030204" pitchFamily="34" charset="0"/>
+                        <a:cs typeface="Times New Roman" panose="02020603050405020304" pitchFamily="18" charset="0"/>
+                      </a:endParaRPr>
+                    </a:p>
+                  </a:txBody>
+                  <a:tcPr marL="23389" marR="23389" marT="0" marB="0"/>
+                </a:tc>
+              </a:tr>
+              <a:tr h="312222">
+                <a:tc>
+                  <a:txBody>
+                    <a:bodyPr/>
+                    <a:lstStyle/>
+                    <a:p>
+                      <a:pPr marL="457200">
+                        <a:lnSpc>
+                          <a:spcPct val="115000"/>
+                        </a:lnSpc>
+                        <a:spcAft>
+                          <a:spcPts val="0"/>
+                        </a:spcAft>
+                      </a:pPr>
+                      <a:r>
+                        <a:rPr lang="it-IT" sz="2000">
+                          <a:effectLst/>
+                        </a:rPr>
+                        <a:t>VoloDAO</a:t>
+                      </a:r>
+                      <a:endParaRPr lang="it-IT" sz="1800">
+                        <a:effectLst/>
+                        <a:latin typeface="Calibri" panose="020F0502020204030204" pitchFamily="34" charset="0"/>
+                        <a:ea typeface="Calibri" panose="020F0502020204030204" pitchFamily="34" charset="0"/>
+                        <a:cs typeface="Times New Roman" panose="02020603050405020304" pitchFamily="18" charset="0"/>
+                      </a:endParaRPr>
+                    </a:p>
+                  </a:txBody>
+                  <a:tcPr marL="23389" marR="23389" marT="0" marB="0"/>
+                </a:tc>
+                <a:tc>
+                  <a:txBody>
+                    <a:bodyPr/>
+                    <a:lstStyle/>
+                    <a:p>
+                      <a:pPr marL="457200">
+                        <a:lnSpc>
+                          <a:spcPct val="115000"/>
+                        </a:lnSpc>
+                        <a:spcAft>
+                          <a:spcPts val="0"/>
+                        </a:spcAft>
+                      </a:pPr>
+                      <a:r>
+                        <a:rPr lang="it-IT" sz="2000">
+                          <a:effectLst/>
+                        </a:rPr>
+                        <a:t>showAllLowCost</a:t>
+                      </a:r>
+                      <a:endParaRPr lang="it-IT" sz="1800">
+                        <a:effectLst/>
+                        <a:latin typeface="Calibri" panose="020F0502020204030204" pitchFamily="34" charset="0"/>
+                        <a:ea typeface="Calibri" panose="020F0502020204030204" pitchFamily="34" charset="0"/>
+                        <a:cs typeface="Times New Roman" panose="02020603050405020304" pitchFamily="18" charset="0"/>
+                      </a:endParaRPr>
+                    </a:p>
+                  </a:txBody>
+                  <a:tcPr marL="23389" marR="23389" marT="0" marB="0"/>
+                </a:tc>
+                <a:tc>
+                  <a:txBody>
+                    <a:bodyPr/>
+                    <a:lstStyle/>
+                    <a:p>
+                      <a:pPr marL="457200">
+                        <a:lnSpc>
+                          <a:spcPct val="115000"/>
+                        </a:lnSpc>
+                        <a:spcAft>
+                          <a:spcPts val="0"/>
+                        </a:spcAft>
+                      </a:pPr>
+                      <a:r>
+                        <a:rPr lang="it-IT" sz="2000" dirty="0">
+                          <a:effectLst/>
+                        </a:rPr>
+                        <a:t>Negativo</a:t>
+                      </a:r>
+                      <a:endParaRPr lang="it-IT" sz="1800" dirty="0">
+                        <a:effectLst/>
+                        <a:latin typeface="Calibri" panose="020F0502020204030204" pitchFamily="34" charset="0"/>
+                        <a:ea typeface="Calibri" panose="020F0502020204030204" pitchFamily="34" charset="0"/>
+                        <a:cs typeface="Times New Roman" panose="02020603050405020304" pitchFamily="18" charset="0"/>
+                      </a:endParaRPr>
+                    </a:p>
+                  </a:txBody>
+                  <a:tcPr marL="23389" marR="23389" marT="0" marB="0"/>
+                </a:tc>
+                <a:tc>
+                  <a:txBody>
+                    <a:bodyPr/>
+                    <a:lstStyle/>
+                    <a:p>
+                      <a:pPr marL="457200">
+                        <a:lnSpc>
+                          <a:spcPct val="115000"/>
+                        </a:lnSpc>
+                        <a:spcAft>
+                          <a:spcPts val="0"/>
+                        </a:spcAft>
+                      </a:pPr>
+                      <a:r>
+                        <a:rPr lang="it-IT" sz="2000">
+                          <a:effectLst/>
+                        </a:rPr>
+                        <a:t> </a:t>
+                      </a:r>
+                      <a:endParaRPr lang="it-IT" sz="1800">
+                        <a:effectLst/>
+                        <a:latin typeface="Calibri" panose="020F0502020204030204" pitchFamily="34" charset="0"/>
+                        <a:ea typeface="Calibri" panose="020F0502020204030204" pitchFamily="34" charset="0"/>
+                        <a:cs typeface="Times New Roman" panose="02020603050405020304" pitchFamily="18" charset="0"/>
+                      </a:endParaRPr>
+                    </a:p>
+                  </a:txBody>
+                  <a:tcPr marL="23389" marR="23389" marT="0" marB="0"/>
+                </a:tc>
+              </a:tr>
+              <a:tr h="312222">
+                <a:tc>
+                  <a:txBody>
+                    <a:bodyPr/>
+                    <a:lstStyle/>
+                    <a:p>
+                      <a:pPr marL="457200">
+                        <a:lnSpc>
+                          <a:spcPct val="115000"/>
+                        </a:lnSpc>
+                        <a:spcAft>
+                          <a:spcPts val="0"/>
+                        </a:spcAft>
+                      </a:pPr>
+                      <a:r>
+                        <a:rPr lang="it-IT" sz="2000">
+                          <a:effectLst/>
+                        </a:rPr>
+                        <a:t>VoloDAO</a:t>
+                      </a:r>
+                      <a:endParaRPr lang="it-IT" sz="1800">
+                        <a:effectLst/>
+                        <a:latin typeface="Calibri" panose="020F0502020204030204" pitchFamily="34" charset="0"/>
+                        <a:ea typeface="Calibri" panose="020F0502020204030204" pitchFamily="34" charset="0"/>
+                        <a:cs typeface="Times New Roman" panose="02020603050405020304" pitchFamily="18" charset="0"/>
+                      </a:endParaRPr>
+                    </a:p>
+                  </a:txBody>
+                  <a:tcPr marL="23389" marR="23389" marT="0" marB="0"/>
+                </a:tc>
+                <a:tc>
+                  <a:txBody>
+                    <a:bodyPr/>
+                    <a:lstStyle/>
+                    <a:p>
+                      <a:pPr marL="457200">
+                        <a:lnSpc>
+                          <a:spcPct val="115000"/>
+                        </a:lnSpc>
+                        <a:spcAft>
+                          <a:spcPts val="0"/>
+                        </a:spcAft>
+                      </a:pPr>
+                      <a:r>
+                        <a:rPr lang="it-IT" sz="2000">
+                          <a:effectLst/>
+                        </a:rPr>
+                        <a:t>lowCostByCodVolo</a:t>
+                      </a:r>
+                      <a:endParaRPr lang="it-IT" sz="1800">
+                        <a:effectLst/>
+                        <a:latin typeface="Calibri" panose="020F0502020204030204" pitchFamily="34" charset="0"/>
+                        <a:ea typeface="Calibri" panose="020F0502020204030204" pitchFamily="34" charset="0"/>
+                        <a:cs typeface="Times New Roman" panose="02020603050405020304" pitchFamily="18" charset="0"/>
+                      </a:endParaRPr>
+                    </a:p>
+                  </a:txBody>
+                  <a:tcPr marL="23389" marR="23389" marT="0" marB="0"/>
+                </a:tc>
+                <a:tc>
+                  <a:txBody>
+                    <a:bodyPr/>
+                    <a:lstStyle/>
+                    <a:p>
+                      <a:pPr marL="457200">
+                        <a:lnSpc>
+                          <a:spcPct val="115000"/>
+                        </a:lnSpc>
+                        <a:spcAft>
+                          <a:spcPts val="0"/>
+                        </a:spcAft>
+                      </a:pPr>
+                      <a:r>
+                        <a:rPr lang="it-IT" sz="2000" dirty="0">
+                          <a:effectLst/>
+                        </a:rPr>
+                        <a:t>Negativo</a:t>
+                      </a:r>
+                      <a:endParaRPr lang="it-IT" sz="1800" dirty="0">
+                        <a:effectLst/>
+                        <a:latin typeface="Calibri" panose="020F0502020204030204" pitchFamily="34" charset="0"/>
+                        <a:ea typeface="Calibri" panose="020F0502020204030204" pitchFamily="34" charset="0"/>
+                        <a:cs typeface="Times New Roman" panose="02020603050405020304" pitchFamily="18" charset="0"/>
+                      </a:endParaRPr>
+                    </a:p>
+                  </a:txBody>
+                  <a:tcPr marL="23389" marR="23389" marT="0" marB="0"/>
+                </a:tc>
+                <a:tc>
+                  <a:txBody>
+                    <a:bodyPr/>
+                    <a:lstStyle/>
+                    <a:p>
+                      <a:pPr marL="457200">
+                        <a:lnSpc>
+                          <a:spcPct val="115000"/>
+                        </a:lnSpc>
+                        <a:spcAft>
+                          <a:spcPts val="0"/>
+                        </a:spcAft>
+                      </a:pPr>
+                      <a:r>
+                        <a:rPr lang="it-IT" sz="2000" dirty="0">
+                          <a:effectLst/>
+                        </a:rPr>
+                        <a:t> </a:t>
+                      </a:r>
+                      <a:endParaRPr lang="it-IT" sz="1800" dirty="0">
+                        <a:effectLst/>
+                        <a:latin typeface="Calibri" panose="020F0502020204030204" pitchFamily="34" charset="0"/>
+                        <a:ea typeface="Calibri" panose="020F0502020204030204" pitchFamily="34" charset="0"/>
+                        <a:cs typeface="Times New Roman" panose="02020603050405020304" pitchFamily="18" charset="0"/>
+                      </a:endParaRPr>
+                    </a:p>
+                  </a:txBody>
+                  <a:tcPr marL="23389" marR="23389" marT="0" marB="0"/>
+                </a:tc>
+              </a:tr>
+            </a:tbl>
+          </a:graphicData>
+        </a:graphic>
+      </p:graphicFrame>
+    </p:spTree>
+    <p:extLst>
+      <p:ext uri="{BB962C8B-B14F-4D97-AF65-F5344CB8AC3E}">
+        <p14:creationId xmlns:p14="http://schemas.microsoft.com/office/powerpoint/2010/main" val="4028708095"/>
+      </p:ext>
+    </p:extLst>
+  </p:cSld>
+  <p:clrMapOvr>
+    <a:masterClrMapping/>
+  </p:clrMapOvr>
+  <mc:AlternateContent xmlns:mc="http://schemas.openxmlformats.org/markup-compatibility/2006" xmlns:p14="http://schemas.microsoft.com/office/powerpoint/2010/main">
+    <mc:Choice Requires="p14">
+      <p:transition spd="med" p14:dur="700">
+        <p:fade/>
+      </p:transition>
+    </mc:Choice>
+    <mc:Fallback xmlns="">
       <p:transition spd="med">
         <p:fade/>
       </p:transition>
@@ -8663,13 +11896,13 @@
   <p:clrMapOvr>
     <a:masterClrMapping/>
   </p:clrMapOvr>
-  <mc:AlternateContent xmlns:mc="http://schemas.openxmlformats.org/markup-compatibility/2006">
-    <mc:Choice xmlns:p14="http://schemas.microsoft.com/office/powerpoint/2010/main" Requires="p14">
+  <mc:AlternateContent xmlns:mc="http://schemas.openxmlformats.org/markup-compatibility/2006" xmlns:p14="http://schemas.microsoft.com/office/powerpoint/2010/main">
+    <mc:Choice Requires="p14">
       <p:transition spd="med" p14:dur="700">
         <p:fade/>
       </p:transition>
     </mc:Choice>
-    <mc:Fallback>
+    <mc:Fallback xmlns="">
       <p:transition spd="med">
         <p:fade/>
       </p:transition>
@@ -8817,13 +12050,13 @@
   <p:clrMapOvr>
     <a:masterClrMapping/>
   </p:clrMapOvr>
-  <mc:AlternateContent xmlns:mc="http://schemas.openxmlformats.org/markup-compatibility/2006">
-    <mc:Choice xmlns:p14="http://schemas.microsoft.com/office/powerpoint/2010/main" Requires="p14">
+  <mc:AlternateContent xmlns:mc="http://schemas.openxmlformats.org/markup-compatibility/2006" xmlns:p14="http://schemas.microsoft.com/office/powerpoint/2010/main">
+    <mc:Choice Requires="p14">
       <p:transition spd="med" p14:dur="700">
         <p:fade/>
       </p:transition>
     </mc:Choice>
-    <mc:Fallback>
+    <mc:Fallback xmlns="">
       <p:transition spd="med">
         <p:fade/>
       </p:transition>
@@ -9059,13 +12292,13 @@
   <p:clrMapOvr>
     <a:masterClrMapping/>
   </p:clrMapOvr>
-  <mc:AlternateContent xmlns:mc="http://schemas.openxmlformats.org/markup-compatibility/2006">
-    <mc:Choice xmlns:p14="http://schemas.microsoft.com/office/powerpoint/2010/main" Requires="p14">
+  <mc:AlternateContent xmlns:mc="http://schemas.openxmlformats.org/markup-compatibility/2006" xmlns:p14="http://schemas.microsoft.com/office/powerpoint/2010/main">
+    <mc:Choice Requires="p14">
       <p:transition spd="med" p14:dur="700">
         <p:fade/>
       </p:transition>
     </mc:Choice>
-    <mc:Fallback>
+    <mc:Fallback xmlns="">
       <p:transition spd="med">
         <p:fade/>
       </p:transition>
@@ -9249,13 +12482,13 @@
   <p:clrMapOvr>
     <a:masterClrMapping/>
   </p:clrMapOvr>
-  <mc:AlternateContent xmlns:mc="http://schemas.openxmlformats.org/markup-compatibility/2006">
-    <mc:Choice xmlns:p14="http://schemas.microsoft.com/office/powerpoint/2010/main" Requires="p14">
+  <mc:AlternateContent xmlns:mc="http://schemas.openxmlformats.org/markup-compatibility/2006" xmlns:p14="http://schemas.microsoft.com/office/powerpoint/2010/main">
+    <mc:Choice Requires="p14">
       <p:transition spd="med" p14:dur="700">
         <p:fade/>
       </p:transition>
     </mc:Choice>
-    <mc:Fallback>
+    <mc:Fallback xmlns="">
       <p:transition spd="med">
         <p:fade/>
       </p:transition>
@@ -9408,13 +12641,13 @@
   <p:clrMapOvr>
     <a:masterClrMapping/>
   </p:clrMapOvr>
-  <mc:AlternateContent xmlns:mc="http://schemas.openxmlformats.org/markup-compatibility/2006">
-    <mc:Choice xmlns:p14="http://schemas.microsoft.com/office/powerpoint/2010/main" Requires="p14">
+  <mc:AlternateContent xmlns:mc="http://schemas.openxmlformats.org/markup-compatibility/2006" xmlns:p14="http://schemas.microsoft.com/office/powerpoint/2010/main">
+    <mc:Choice Requires="p14">
       <p:transition spd="med" p14:dur="700">
         <p:fade/>
       </p:transition>
     </mc:Choice>
-    <mc:Fallback>
+    <mc:Fallback xmlns="">
       <p:transition spd="med">
         <p:fade/>
       </p:transition>

--- a/presentazioneIS.pptx
+++ b/presentazioneIS.pptx
@@ -33,6 +33,7 @@
     <p:sldId id="283" r:id="rId27"/>
     <p:sldId id="284" r:id="rId28"/>
     <p:sldId id="285" r:id="rId29"/>
+    <p:sldId id="286" r:id="rId30"/>
   </p:sldIdLst>
   <p:sldSz cx="12192000" cy="6858000"/>
   <p:notesSz cx="6858000" cy="9144000"/>
@@ -270,7 +271,7 @@
           <a:p>
             <a:fld id="{8E92F9B4-22CE-4DC7-877B-A912CB85DED6}" type="datetimeFigureOut">
               <a:rPr lang="it-IT" smtClean="0"/>
-              <a:t>19/02/2019</a:t>
+              <a:t>20/02/2019</a:t>
             </a:fld>
             <a:endParaRPr lang="it-IT"/>
           </a:p>
@@ -440,7 +441,7 @@
           <a:p>
             <a:fld id="{8E92F9B4-22CE-4DC7-877B-A912CB85DED6}" type="datetimeFigureOut">
               <a:rPr lang="it-IT" smtClean="0"/>
-              <a:t>19/02/2019</a:t>
+              <a:t>20/02/2019</a:t>
             </a:fld>
             <a:endParaRPr lang="it-IT"/>
           </a:p>
@@ -620,7 +621,7 @@
           <a:p>
             <a:fld id="{8E92F9B4-22CE-4DC7-877B-A912CB85DED6}" type="datetimeFigureOut">
               <a:rPr lang="it-IT" smtClean="0"/>
-              <a:t>19/02/2019</a:t>
+              <a:t>20/02/2019</a:t>
             </a:fld>
             <a:endParaRPr lang="it-IT"/>
           </a:p>
@@ -790,7 +791,7 @@
           <a:p>
             <a:fld id="{8E92F9B4-22CE-4DC7-877B-A912CB85DED6}" type="datetimeFigureOut">
               <a:rPr lang="it-IT" smtClean="0"/>
-              <a:t>19/02/2019</a:t>
+              <a:t>20/02/2019</a:t>
             </a:fld>
             <a:endParaRPr lang="it-IT"/>
           </a:p>
@@ -1036,7 +1037,7 @@
           <a:p>
             <a:fld id="{8E92F9B4-22CE-4DC7-877B-A912CB85DED6}" type="datetimeFigureOut">
               <a:rPr lang="it-IT" smtClean="0"/>
-              <a:t>19/02/2019</a:t>
+              <a:t>20/02/2019</a:t>
             </a:fld>
             <a:endParaRPr lang="it-IT"/>
           </a:p>
@@ -1268,7 +1269,7 @@
           <a:p>
             <a:fld id="{8E92F9B4-22CE-4DC7-877B-A912CB85DED6}" type="datetimeFigureOut">
               <a:rPr lang="it-IT" smtClean="0"/>
-              <a:t>19/02/2019</a:t>
+              <a:t>20/02/2019</a:t>
             </a:fld>
             <a:endParaRPr lang="it-IT"/>
           </a:p>
@@ -1635,7 +1636,7 @@
           <a:p>
             <a:fld id="{8E92F9B4-22CE-4DC7-877B-A912CB85DED6}" type="datetimeFigureOut">
               <a:rPr lang="it-IT" smtClean="0"/>
-              <a:t>19/02/2019</a:t>
+              <a:t>20/02/2019</a:t>
             </a:fld>
             <a:endParaRPr lang="it-IT"/>
           </a:p>
@@ -1753,7 +1754,7 @@
           <a:p>
             <a:fld id="{8E92F9B4-22CE-4DC7-877B-A912CB85DED6}" type="datetimeFigureOut">
               <a:rPr lang="it-IT" smtClean="0"/>
-              <a:t>19/02/2019</a:t>
+              <a:t>20/02/2019</a:t>
             </a:fld>
             <a:endParaRPr lang="it-IT"/>
           </a:p>
@@ -1848,7 +1849,7 @@
           <a:p>
             <a:fld id="{8E92F9B4-22CE-4DC7-877B-A912CB85DED6}" type="datetimeFigureOut">
               <a:rPr lang="it-IT" smtClean="0"/>
-              <a:t>19/02/2019</a:t>
+              <a:t>20/02/2019</a:t>
             </a:fld>
             <a:endParaRPr lang="it-IT"/>
           </a:p>
@@ -2125,7 +2126,7 @@
           <a:p>
             <a:fld id="{8E92F9B4-22CE-4DC7-877B-A912CB85DED6}" type="datetimeFigureOut">
               <a:rPr lang="it-IT" smtClean="0"/>
-              <a:t>19/02/2019</a:t>
+              <a:t>20/02/2019</a:t>
             </a:fld>
             <a:endParaRPr lang="it-IT"/>
           </a:p>
@@ -2378,7 +2379,7 @@
           <a:p>
             <a:fld id="{8E92F9B4-22CE-4DC7-877B-A912CB85DED6}" type="datetimeFigureOut">
               <a:rPr lang="it-IT" smtClean="0"/>
-              <a:t>19/02/2019</a:t>
+              <a:t>20/02/2019</a:t>
             </a:fld>
             <a:endParaRPr lang="it-IT"/>
           </a:p>
@@ -2591,7 +2592,7 @@
           <a:p>
             <a:fld id="{8E92F9B4-22CE-4DC7-877B-A912CB85DED6}" type="datetimeFigureOut">
               <a:rPr lang="it-IT" smtClean="0"/>
-              <a:t>19/02/2019</a:t>
+              <a:t>20/02/2019</a:t>
             </a:fld>
             <a:endParaRPr lang="it-IT"/>
           </a:p>
@@ -4707,7 +4708,7 @@
           <a:graphicData uri="http://schemas.openxmlformats.org/presentationml/2006/ole">
             <mc:AlternateContent xmlns:mc="http://schemas.openxmlformats.org/markup-compatibility/2006">
               <mc:Choice xmlns:v="urn:schemas-microsoft-com:vml" Requires="v">
-                <p:oleObj spid="_x0000_s4108" name="Immagine" r:id="rId4" imgW="0" imgH="0" progId="StaticMetafile">
+                <p:oleObj spid="_x0000_s4110" name="Immagine" r:id="rId4" imgW="0" imgH="0" progId="StaticMetafile">
                   <p:embed/>
                 </p:oleObj>
               </mc:Choice>
@@ -8296,7 +8297,7 @@
             <a:endParaRPr lang="it-IT" b="1" dirty="0" smtClean="0"/>
           </a:p>
           <a:p>
-            <a:pPr lvl="1"/>
+            <a:pPr lvl="6"/>
             <a:r>
               <a:rPr lang="it-IT" b="1" dirty="0" smtClean="0"/>
               <a:t>Aereo</a:t>
@@ -8308,14 +8309,14 @@
             <a:endParaRPr lang="it-IT" b="1" dirty="0" smtClean="0"/>
           </a:p>
           <a:p>
-            <a:pPr lvl="2"/>
+            <a:pPr lvl="7"/>
             <a:r>
               <a:rPr lang="it-IT" dirty="0" smtClean="0"/>
-              <a:t>Inserisci Aereo</a:t>
-            </a:r>
-          </a:p>
-          <a:p>
-            <a:pPr lvl="1"/>
+              <a:t>Aggiunta Aereo</a:t>
+            </a:r>
+          </a:p>
+          <a:p>
+            <a:pPr lvl="6"/>
             <a:r>
               <a:rPr lang="it-IT" b="1" dirty="0" smtClean="0"/>
               <a:t>Aeroporto</a:t>
@@ -8323,14 +8324,14 @@
             <a:endParaRPr lang="it-IT" b="1" dirty="0" smtClean="0"/>
           </a:p>
           <a:p>
-            <a:pPr lvl="2"/>
+            <a:pPr lvl="7"/>
             <a:r>
               <a:rPr lang="it-IT" dirty="0" smtClean="0"/>
               <a:t>Aggiungi aeroporto</a:t>
             </a:r>
           </a:p>
           <a:p>
-            <a:pPr lvl="1"/>
+            <a:pPr lvl="6"/>
             <a:r>
               <a:rPr lang="it-IT" b="1" dirty="0" smtClean="0"/>
               <a:t>Utente</a:t>
@@ -8338,7 +8339,7 @@
             <a:endParaRPr lang="it-IT" b="1" dirty="0" smtClean="0"/>
           </a:p>
           <a:p>
-            <a:pPr lvl="2"/>
+            <a:pPr lvl="7"/>
             <a:r>
               <a:rPr lang="it-IT" dirty="0" smtClean="0"/>
               <a:t>Login</a:t>
@@ -8346,7 +8347,7 @@
             <a:endParaRPr lang="it-IT" dirty="0" smtClean="0"/>
           </a:p>
           <a:p>
-            <a:pPr lvl="2"/>
+            <a:pPr lvl="7"/>
             <a:r>
               <a:rPr lang="it-IT" dirty="0" smtClean="0"/>
               <a:t>Registrazione </a:t>
@@ -8357,15 +8358,15 @@
             </a:r>
           </a:p>
           <a:p>
-            <a:pPr lvl="2"/>
+            <a:pPr lvl="7"/>
             <a:r>
               <a:rPr lang="it-IT" dirty="0" smtClean="0"/>
-              <a:t>Modifica Dati Utente</a:t>
+              <a:t>Modifica Dati</a:t>
             </a:r>
             <a:endParaRPr lang="it-IT" dirty="0" smtClean="0"/>
           </a:p>
           <a:p>
-            <a:pPr lvl="1"/>
+            <a:pPr lvl="6"/>
             <a:r>
               <a:rPr lang="it-IT" b="1" dirty="0" smtClean="0"/>
               <a:t>Volo</a:t>
@@ -8377,14 +8378,18 @@
             <a:endParaRPr lang="it-IT" b="1" dirty="0" smtClean="0"/>
           </a:p>
           <a:p>
-            <a:pPr lvl="2"/>
+            <a:pPr lvl="7"/>
             <a:r>
               <a:rPr lang="it-IT" dirty="0" smtClean="0"/>
-              <a:t>Inserisci Volo</a:t>
-            </a:r>
-          </a:p>
-          <a:p>
-            <a:pPr lvl="2"/>
+              <a:t>Aggiunta </a:t>
+            </a:r>
+            <a:r>
+              <a:rPr lang="it-IT" dirty="0" smtClean="0"/>
+              <a:t>Volo</a:t>
+            </a:r>
+          </a:p>
+          <a:p>
+            <a:pPr lvl="7"/>
             <a:r>
               <a:rPr lang="it-IT" dirty="0" smtClean="0"/>
               <a:t>Modifica Volo</a:t>
@@ -8396,15 +8401,12 @@
             <a:endParaRPr lang="it-IT" dirty="0" smtClean="0"/>
           </a:p>
           <a:p>
-            <a:pPr lvl="2"/>
+            <a:pPr lvl="7"/>
             <a:r>
               <a:rPr lang="it-IT" dirty="0" smtClean="0"/>
-              <a:t>Ricerca </a:t>
-            </a:r>
-            <a:r>
-              <a:rPr lang="it-IT" dirty="0" smtClean="0"/>
-              <a:t>volo</a:t>
-            </a:r>
+              <a:t>Ricerca volo</a:t>
+            </a:r>
+            <a:endParaRPr lang="it-IT" dirty="0"/>
           </a:p>
         </p:txBody>
       </p:sp>
@@ -11041,6 +11043,116 @@
 </p:sld>
 </file>
 
+<file path=ppt/slides/slide29.xml><?xml version="1.0" encoding="utf-8"?>
+<p:sld xmlns:a="http://schemas.openxmlformats.org/drawingml/2006/main" xmlns:r="http://schemas.openxmlformats.org/officeDocument/2006/relationships" xmlns:p="http://schemas.openxmlformats.org/presentationml/2006/main">
+  <p:cSld>
+    <p:spTree>
+      <p:nvGrpSpPr>
+        <p:cNvPr id="1" name=""/>
+        <p:cNvGrpSpPr/>
+        <p:nvPr/>
+      </p:nvGrpSpPr>
+      <p:grpSpPr>
+        <a:xfrm>
+          <a:off x="0" y="0"/>
+          <a:ext cx="0" cy="0"/>
+          <a:chOff x="0" y="0"/>
+          <a:chExt cx="0" cy="0"/>
+        </a:xfrm>
+      </p:grpSpPr>
+      <p:pic>
+        <p:nvPicPr>
+          <p:cNvPr id="15" name="Immagine 14" descr="..\Stemma.jpg"/>
+          <p:cNvPicPr/>
+          <p:nvPr/>
+        </p:nvPicPr>
+        <p:blipFill>
+          <a:blip r:embed="rId2">
+            <a:lum bright="80000" contrast="-70000"/>
+          </a:blip>
+          <a:srcRect/>
+          <a:stretch>
+            <a:fillRect/>
+          </a:stretch>
+        </p:blipFill>
+        <p:spPr>
+          <a:xfrm>
+            <a:off x="2621700" y="109003"/>
+            <a:ext cx="7283450" cy="6562725"/>
+          </a:xfrm>
+          <a:prstGeom prst="rect">
+            <a:avLst/>
+          </a:prstGeom>
+          <a:noFill/>
+          <a:ln>
+            <a:noFill/>
+            <a:prstDash/>
+          </a:ln>
+        </p:spPr>
+      </p:pic>
+      <p:sp>
+        <p:nvSpPr>
+          <p:cNvPr id="3" name="CasellaDiTesto 2"/>
+          <p:cNvSpPr txBox="1"/>
+          <p:nvPr/>
+        </p:nvSpPr>
+        <p:spPr>
+          <a:xfrm>
+            <a:off x="2173339" y="2928700"/>
+            <a:ext cx="8015416" cy="923330"/>
+          </a:xfrm>
+          <a:prstGeom prst="rect">
+            <a:avLst/>
+          </a:prstGeom>
+          <a:noFill/>
+        </p:spPr>
+        <p:txBody>
+          <a:bodyPr wrap="square" rtlCol="0">
+            <a:spAutoFit/>
+          </a:bodyPr>
+          <a:lstStyle/>
+          <a:p>
+            <a:pPr algn="ctr"/>
+            <a:r>
+              <a:rPr lang="it-IT" sz="5400" b="1" dirty="0" smtClean="0"/>
+              <a:t>GRAZIE PER L’ATTENZIONE</a:t>
+            </a:r>
+            <a:endParaRPr lang="it-IT" sz="1600" b="1" dirty="0"/>
+          </a:p>
+        </p:txBody>
+      </p:sp>
+    </p:spTree>
+    <p:extLst>
+      <p:ext uri="{BB962C8B-B14F-4D97-AF65-F5344CB8AC3E}">
+        <p14:creationId xmlns:p14="http://schemas.microsoft.com/office/powerpoint/2010/main" val="2435517637"/>
+      </p:ext>
+    </p:extLst>
+  </p:cSld>
+  <p:clrMapOvr>
+    <a:masterClrMapping/>
+  </p:clrMapOvr>
+  <mc:AlternateContent xmlns:mc="http://schemas.openxmlformats.org/markup-compatibility/2006" xmlns:p14="http://schemas.microsoft.com/office/powerpoint/2010/main">
+    <mc:Choice Requires="p14">
+      <p:transition spd="med" p14:dur="700">
+        <p:fade/>
+      </p:transition>
+    </mc:Choice>
+    <mc:Fallback xmlns="">
+      <p:transition spd="med">
+        <p:fade/>
+      </p:transition>
+    </mc:Fallback>
+  </mc:AlternateContent>
+  <p:timing>
+    <p:tnLst>
+      <p:par>
+        <p:cTn id="1" dur="indefinite" restart="never" nodeType="tmRoot"/>
+      </p:par>
+    </p:tnLst>
+  </p:timing>
+</p:sld>
+</file>
+
 <file path=ppt/slides/slide3.xml><?xml version="1.0" encoding="utf-8"?>
 <p:sld xmlns:a="http://schemas.openxmlformats.org/drawingml/2006/main" xmlns:r="http://schemas.openxmlformats.org/officeDocument/2006/relationships" xmlns:p="http://schemas.openxmlformats.org/presentationml/2006/main">
   <p:cSld>
